--- a/Presentation.pptx
+++ b/Presentation.pptx
@@ -5,7 +5,7 @@
     <p:sldMasterId id="2147483648" r:id="rId1"/>
   </p:sldMasterIdLst>
   <p:notesMasterIdLst>
-    <p:notesMasterId r:id="rId13"/>
+    <p:notesMasterId r:id="rId17"/>
   </p:notesMasterIdLst>
   <p:sldIdLst>
     <p:sldId id="256" r:id="rId2"/>
@@ -13,12 +13,16 @@
     <p:sldId id="273" r:id="rId4"/>
     <p:sldId id="274" r:id="rId5"/>
     <p:sldId id="266" r:id="rId6"/>
-    <p:sldId id="275" r:id="rId7"/>
-    <p:sldId id="276" r:id="rId8"/>
-    <p:sldId id="277" r:id="rId9"/>
-    <p:sldId id="268" r:id="rId10"/>
-    <p:sldId id="269" r:id="rId11"/>
-    <p:sldId id="265" r:id="rId12"/>
+    <p:sldId id="278" r:id="rId7"/>
+    <p:sldId id="280" r:id="rId8"/>
+    <p:sldId id="281" r:id="rId9"/>
+    <p:sldId id="279" r:id="rId10"/>
+    <p:sldId id="275" r:id="rId11"/>
+    <p:sldId id="276" r:id="rId12"/>
+    <p:sldId id="277" r:id="rId13"/>
+    <p:sldId id="268" r:id="rId14"/>
+    <p:sldId id="269" r:id="rId15"/>
+    <p:sldId id="265" r:id="rId16"/>
   </p:sldIdLst>
   <p:sldSz cx="12192000" cy="6858000"/>
   <p:notesSz cx="6858000" cy="9144000"/>
@@ -623,7 +627,7 @@
           <a:p>
             <a:fld id="{6F0D8589-F2A0-4BED-9BCA-E39C01468825}" type="slidenum">
               <a:rPr lang="en-US"/>
-              <a:t>9</a:t>
+              <a:t>13</a:t>
             </a:fld>
             <a:endParaRPr lang="en-US"/>
           </a:p>
@@ -707,7 +711,7 @@
           <a:p>
             <a:fld id="{6F0D8589-F2A0-4BED-9BCA-E39C01468825}" type="slidenum">
               <a:rPr lang="en-US"/>
-              <a:t>10</a:t>
+              <a:t>14</a:t>
             </a:fld>
             <a:endParaRPr lang="en-US"/>
           </a:p>
@@ -791,7 +795,7 @@
           <a:p>
             <a:fld id="{6F0D8589-F2A0-4BED-9BCA-E39C01468825}" type="slidenum">
               <a:rPr lang="en-US"/>
-              <a:t>11</a:t>
+              <a:t>15</a:t>
             </a:fld>
             <a:endParaRPr lang="en-US"/>
           </a:p>
@@ -7609,6 +7613,438 @@
           <a:chExt cx="0" cy="0"/>
         </a:xfrm>
       </p:grpSpPr>
+      <p:pic>
+        <p:nvPicPr>
+          <p:cNvPr id="10" name="Picture 9"/>
+          <p:cNvPicPr>
+            <a:picLocks noChangeAspect="1"/>
+          </p:cNvPicPr>
+          <p:nvPr/>
+        </p:nvPicPr>
+        <p:blipFill>
+          <a:blip r:embed="rId2"/>
+          <a:stretch>
+            <a:fillRect/>
+          </a:stretch>
+        </p:blipFill>
+        <p:spPr>
+          <a:xfrm>
+            <a:off x="1517770" y="535021"/>
+            <a:ext cx="3978081" cy="2654872"/>
+          </a:xfrm>
+          <a:prstGeom prst="rect">
+            <a:avLst/>
+          </a:prstGeom>
+        </p:spPr>
+      </p:pic>
+      <p:pic>
+        <p:nvPicPr>
+          <p:cNvPr id="12" name="Picture 11"/>
+          <p:cNvPicPr>
+            <a:picLocks noChangeAspect="1"/>
+          </p:cNvPicPr>
+          <p:nvPr/>
+        </p:nvPicPr>
+        <p:blipFill>
+          <a:blip r:embed="rId3"/>
+          <a:stretch>
+            <a:fillRect/>
+          </a:stretch>
+        </p:blipFill>
+        <p:spPr>
+          <a:xfrm>
+            <a:off x="1517770" y="3571113"/>
+            <a:ext cx="3978081" cy="2973636"/>
+          </a:xfrm>
+          <a:prstGeom prst="rect">
+            <a:avLst/>
+          </a:prstGeom>
+        </p:spPr>
+      </p:pic>
+      <p:pic>
+        <p:nvPicPr>
+          <p:cNvPr id="16" name="Picture 15"/>
+          <p:cNvPicPr>
+            <a:picLocks noChangeAspect="1"/>
+          </p:cNvPicPr>
+          <p:nvPr/>
+        </p:nvPicPr>
+        <p:blipFill>
+          <a:blip r:embed="rId4"/>
+          <a:stretch>
+            <a:fillRect/>
+          </a:stretch>
+        </p:blipFill>
+        <p:spPr>
+          <a:xfrm>
+            <a:off x="6171473" y="535020"/>
+            <a:ext cx="4418107" cy="2654873"/>
+          </a:xfrm>
+          <a:prstGeom prst="rect">
+            <a:avLst/>
+          </a:prstGeom>
+        </p:spPr>
+      </p:pic>
+      <p:pic>
+        <p:nvPicPr>
+          <p:cNvPr id="20" name="Picture 19"/>
+          <p:cNvPicPr>
+            <a:picLocks noChangeAspect="1"/>
+          </p:cNvPicPr>
+          <p:nvPr/>
+        </p:nvPicPr>
+        <p:blipFill>
+          <a:blip r:embed="rId5"/>
+          <a:stretch>
+            <a:fillRect/>
+          </a:stretch>
+        </p:blipFill>
+        <p:spPr>
+          <a:xfrm>
+            <a:off x="6171473" y="3571113"/>
+            <a:ext cx="4418107" cy="2950110"/>
+          </a:xfrm>
+          <a:prstGeom prst="rect">
+            <a:avLst/>
+          </a:prstGeom>
+        </p:spPr>
+      </p:pic>
+    </p:spTree>
+    <p:extLst>
+      <p:ext uri="{BB962C8B-B14F-4D97-AF65-F5344CB8AC3E}">
+        <p14:creationId xmlns:p14="http://schemas.microsoft.com/office/powerpoint/2010/main" val="893799103"/>
+      </p:ext>
+    </p:extLst>
+  </p:cSld>
+  <p:clrMapOvr>
+    <a:masterClrMapping/>
+  </p:clrMapOvr>
+</p:sld>
+</file>
+
+<file path=ppt/slides/slide11.xml><?xml version="1.0" encoding="utf-8"?>
+<p:sld xmlns:a="http://schemas.openxmlformats.org/drawingml/2006/main" xmlns:r="http://schemas.openxmlformats.org/officeDocument/2006/relationships" xmlns:p="http://schemas.openxmlformats.org/presentationml/2006/main">
+  <p:cSld>
+    <p:spTree>
+      <p:nvGrpSpPr>
+        <p:cNvPr id="1" name=""/>
+        <p:cNvGrpSpPr/>
+        <p:nvPr/>
+      </p:nvGrpSpPr>
+      <p:grpSpPr>
+        <a:xfrm>
+          <a:off x="0" y="0"/>
+          <a:ext cx="0" cy="0"/>
+          <a:chOff x="0" y="0"/>
+          <a:chExt cx="0" cy="0"/>
+        </a:xfrm>
+      </p:grpSpPr>
+      <p:pic>
+        <p:nvPicPr>
+          <p:cNvPr id="5" name="Picture 4"/>
+          <p:cNvPicPr>
+            <a:picLocks noChangeAspect="1"/>
+          </p:cNvPicPr>
+          <p:nvPr/>
+        </p:nvPicPr>
+        <p:blipFill>
+          <a:blip r:embed="rId2"/>
+          <a:stretch>
+            <a:fillRect/>
+          </a:stretch>
+        </p:blipFill>
+        <p:spPr>
+          <a:xfrm>
+            <a:off x="1512605" y="3896096"/>
+            <a:ext cx="4421666" cy="2961904"/>
+          </a:xfrm>
+          <a:prstGeom prst="rect">
+            <a:avLst/>
+          </a:prstGeom>
+        </p:spPr>
+      </p:pic>
+      <p:pic>
+        <p:nvPicPr>
+          <p:cNvPr id="7" name="Picture 6"/>
+          <p:cNvPicPr>
+            <a:picLocks noChangeAspect="1"/>
+          </p:cNvPicPr>
+          <p:nvPr/>
+        </p:nvPicPr>
+        <p:blipFill>
+          <a:blip r:embed="rId3"/>
+          <a:stretch>
+            <a:fillRect/>
+          </a:stretch>
+        </p:blipFill>
+        <p:spPr>
+          <a:xfrm>
+            <a:off x="1286548" y="135951"/>
+            <a:ext cx="5097714" cy="3420123"/>
+          </a:xfrm>
+          <a:prstGeom prst="rect">
+            <a:avLst/>
+          </a:prstGeom>
+        </p:spPr>
+      </p:pic>
+      <p:pic>
+        <p:nvPicPr>
+          <p:cNvPr id="9" name="Picture 8"/>
+          <p:cNvPicPr>
+            <a:picLocks noChangeAspect="1"/>
+          </p:cNvPicPr>
+          <p:nvPr/>
+        </p:nvPicPr>
+        <p:blipFill>
+          <a:blip r:embed="rId4"/>
+          <a:stretch>
+            <a:fillRect/>
+          </a:stretch>
+        </p:blipFill>
+        <p:spPr>
+          <a:xfrm>
+            <a:off x="6764694" y="3556074"/>
+            <a:ext cx="4695141" cy="3131759"/>
+          </a:xfrm>
+          <a:prstGeom prst="rect">
+            <a:avLst/>
+          </a:prstGeom>
+        </p:spPr>
+      </p:pic>
+      <p:pic>
+        <p:nvPicPr>
+          <p:cNvPr id="13" name="Picture 12"/>
+          <p:cNvPicPr>
+            <a:picLocks noChangeAspect="1"/>
+          </p:cNvPicPr>
+          <p:nvPr/>
+        </p:nvPicPr>
+        <p:blipFill>
+          <a:blip r:embed="rId5"/>
+          <a:stretch>
+            <a:fillRect/>
+          </a:stretch>
+        </p:blipFill>
+        <p:spPr>
+          <a:xfrm>
+            <a:off x="6993456" y="251996"/>
+            <a:ext cx="4769336" cy="3188032"/>
+          </a:xfrm>
+          <a:prstGeom prst="rect">
+            <a:avLst/>
+          </a:prstGeom>
+        </p:spPr>
+      </p:pic>
+    </p:spTree>
+    <p:extLst>
+      <p:ext uri="{BB962C8B-B14F-4D97-AF65-F5344CB8AC3E}">
+        <p14:creationId xmlns:p14="http://schemas.microsoft.com/office/powerpoint/2010/main" val="295758099"/>
+      </p:ext>
+    </p:extLst>
+  </p:cSld>
+  <p:clrMapOvr>
+    <a:masterClrMapping/>
+  </p:clrMapOvr>
+</p:sld>
+</file>
+
+<file path=ppt/slides/slide12.xml><?xml version="1.0" encoding="utf-8"?>
+<p:sld xmlns:a="http://schemas.openxmlformats.org/drawingml/2006/main" xmlns:r="http://schemas.openxmlformats.org/officeDocument/2006/relationships" xmlns:p="http://schemas.openxmlformats.org/presentationml/2006/main">
+  <p:cSld>
+    <p:spTree>
+      <p:nvGrpSpPr>
+        <p:cNvPr id="1" name=""/>
+        <p:cNvGrpSpPr/>
+        <p:nvPr/>
+      </p:nvGrpSpPr>
+      <p:grpSpPr>
+        <a:xfrm>
+          <a:off x="0" y="0"/>
+          <a:ext cx="0" cy="0"/>
+          <a:chOff x="0" y="0"/>
+          <a:chExt cx="0" cy="0"/>
+        </a:xfrm>
+      </p:grpSpPr>
+      <p:pic>
+        <p:nvPicPr>
+          <p:cNvPr id="3" name="Picture 2"/>
+          <p:cNvPicPr>
+            <a:picLocks noChangeAspect="1"/>
+          </p:cNvPicPr>
+          <p:nvPr/>
+        </p:nvPicPr>
+        <p:blipFill>
+          <a:blip r:embed="rId2"/>
+          <a:stretch>
+            <a:fillRect/>
+          </a:stretch>
+        </p:blipFill>
+        <p:spPr>
+          <a:xfrm>
+            <a:off x="1745868" y="0"/>
+            <a:ext cx="4144613" cy="2780731"/>
+          </a:xfrm>
+          <a:prstGeom prst="rect">
+            <a:avLst/>
+          </a:prstGeom>
+        </p:spPr>
+      </p:pic>
+      <p:pic>
+        <p:nvPicPr>
+          <p:cNvPr id="5" name="Picture 4"/>
+          <p:cNvPicPr>
+            <a:picLocks noChangeAspect="1"/>
+          </p:cNvPicPr>
+          <p:nvPr/>
+        </p:nvPicPr>
+        <p:blipFill>
+          <a:blip r:embed="rId3"/>
+          <a:stretch>
+            <a:fillRect/>
+          </a:stretch>
+        </p:blipFill>
+        <p:spPr>
+          <a:xfrm>
+            <a:off x="1335012" y="3088446"/>
+            <a:ext cx="4144613" cy="2771903"/>
+          </a:xfrm>
+          <a:prstGeom prst="rect">
+            <a:avLst/>
+          </a:prstGeom>
+        </p:spPr>
+      </p:pic>
+      <p:pic>
+        <p:nvPicPr>
+          <p:cNvPr id="7" name="Picture 6"/>
+          <p:cNvPicPr>
+            <a:picLocks noChangeAspect="1"/>
+          </p:cNvPicPr>
+          <p:nvPr/>
+        </p:nvPicPr>
+        <p:blipFill>
+          <a:blip r:embed="rId4"/>
+          <a:stretch>
+            <a:fillRect/>
+          </a:stretch>
+        </p:blipFill>
+        <p:spPr>
+          <a:xfrm>
+            <a:off x="6960803" y="3453397"/>
+            <a:ext cx="4140199" cy="2776317"/>
+          </a:xfrm>
+          <a:prstGeom prst="rect">
+            <a:avLst/>
+          </a:prstGeom>
+        </p:spPr>
+      </p:pic>
+      <p:pic>
+        <p:nvPicPr>
+          <p:cNvPr id="9" name="Picture 8"/>
+          <p:cNvPicPr>
+            <a:picLocks noChangeAspect="1"/>
+          </p:cNvPicPr>
+          <p:nvPr/>
+        </p:nvPicPr>
+        <p:blipFill>
+          <a:blip r:embed="rId5"/>
+          <a:stretch>
+            <a:fillRect/>
+          </a:stretch>
+        </p:blipFill>
+        <p:spPr>
+          <a:xfrm>
+            <a:off x="6711884" y="244030"/>
+            <a:ext cx="4144613" cy="2771903"/>
+          </a:xfrm>
+          <a:prstGeom prst="rect">
+            <a:avLst/>
+          </a:prstGeom>
+        </p:spPr>
+      </p:pic>
+    </p:spTree>
+    <p:extLst>
+      <p:ext uri="{BB962C8B-B14F-4D97-AF65-F5344CB8AC3E}">
+        <p14:creationId xmlns:p14="http://schemas.microsoft.com/office/powerpoint/2010/main" val="771805425"/>
+      </p:ext>
+    </p:extLst>
+  </p:cSld>
+  <p:clrMapOvr>
+    <a:masterClrMapping/>
+  </p:clrMapOvr>
+</p:sld>
+</file>
+
+<file path=ppt/slides/slide13.xml><?xml version="1.0" encoding="utf-8"?>
+<p:sld xmlns:a="http://schemas.openxmlformats.org/drawingml/2006/main" xmlns:r="http://schemas.openxmlformats.org/officeDocument/2006/relationships" xmlns:p="http://schemas.openxmlformats.org/presentationml/2006/main">
+  <p:cSld>
+    <p:spTree>
+      <p:nvGrpSpPr>
+        <p:cNvPr id="1" name=""/>
+        <p:cNvGrpSpPr/>
+        <p:nvPr/>
+      </p:nvGrpSpPr>
+      <p:grpSpPr>
+        <a:xfrm>
+          <a:off x="0" y="0"/>
+          <a:ext cx="0" cy="0"/>
+          <a:chOff x="0" y="0"/>
+          <a:chExt cx="0" cy="0"/>
+        </a:xfrm>
+      </p:grpSpPr>
+      <p:pic>
+        <p:nvPicPr>
+          <p:cNvPr id="17" name="Picture 16"/>
+          <p:cNvPicPr>
+            <a:picLocks noChangeAspect="1"/>
+          </p:cNvPicPr>
+          <p:nvPr/>
+        </p:nvPicPr>
+        <p:blipFill>
+          <a:blip r:embed="rId3"/>
+          <a:stretch>
+            <a:fillRect/>
+          </a:stretch>
+        </p:blipFill>
+        <p:spPr>
+          <a:xfrm>
+            <a:off x="1619809" y="433762"/>
+            <a:ext cx="8952381" cy="5990476"/>
+          </a:xfrm>
+          <a:prstGeom prst="rect">
+            <a:avLst/>
+          </a:prstGeom>
+        </p:spPr>
+      </p:pic>
+    </p:spTree>
+    <p:extLst>
+      <p:ext uri="{BB962C8B-B14F-4D97-AF65-F5344CB8AC3E}">
+        <p14:creationId xmlns:p14="http://schemas.microsoft.com/office/powerpoint/2010/main" val="3258182740"/>
+      </p:ext>
+    </p:extLst>
+  </p:cSld>
+  <p:clrMapOvr>
+    <a:masterClrMapping/>
+  </p:clrMapOvr>
+</p:sld>
+</file>
+
+<file path=ppt/slides/slide14.xml><?xml version="1.0" encoding="utf-8"?>
+<p:sld xmlns:a="http://schemas.openxmlformats.org/drawingml/2006/main" xmlns:r="http://schemas.openxmlformats.org/officeDocument/2006/relationships" xmlns:p="http://schemas.openxmlformats.org/presentationml/2006/main">
+  <p:cSld>
+    <p:spTree>
+      <p:nvGrpSpPr>
+        <p:cNvPr id="1" name=""/>
+        <p:cNvGrpSpPr/>
+        <p:nvPr/>
+      </p:nvGrpSpPr>
+      <p:grpSpPr>
+        <a:xfrm>
+          <a:off x="0" y="0"/>
+          <a:ext cx="0" cy="0"/>
+          <a:chOff x="0" y="0"/>
+          <a:chExt cx="0" cy="0"/>
+        </a:xfrm>
+      </p:grpSpPr>
       <p:sp>
         <p:nvSpPr>
           <p:cNvPr id="2" name="Title 1"/>
@@ -7823,7 +8259,7 @@
 </p:sld>
 </file>
 
-<file path=ppt/slides/slide11.xml><?xml version="1.0" encoding="utf-8"?>
+<file path=ppt/slides/slide15.xml><?xml version="1.0" encoding="utf-8"?>
 <p:sld xmlns:a="http://schemas.openxmlformats.org/drawingml/2006/main" xmlns:r="http://schemas.openxmlformats.org/officeDocument/2006/relationships" xmlns:p="http://schemas.openxmlformats.org/presentationml/2006/main">
   <p:cSld>
     <p:spTree>
@@ -10597,31 +11033,40 @@
             <p:ph type="title"/>
           </p:nvPr>
         </p:nvSpPr>
-        <p:spPr/>
+        <p:spPr>
+          <a:xfrm>
+            <a:off x="2707252" y="447700"/>
+            <a:ext cx="7267171" cy="839925"/>
+          </a:xfrm>
+        </p:spPr>
         <p:txBody>
           <a:bodyPr/>
           <a:lstStyle/>
           <a:p>
+            <a:pPr algn="ctr"/>
             <a:r>
-              <a:rPr lang="EN-US">
+              <a:rPr lang="en-US" altLang="zh-CN" dirty="0">
                 <a:solidFill>
                   <a:srgbClr val="2A1A00"/>
                 </a:solidFill>
               </a:rPr>
-              <a:t>NAVIER-STOKES EQUATION</a:t>
+              <a:t>Gaussian distribution </a:t>
             </a:r>
+            <a:endParaRPr lang="EN-US" dirty="0">
+              <a:solidFill>
+                <a:srgbClr val="2A1A00"/>
+              </a:solidFill>
+            </a:endParaRPr>
           </a:p>
         </p:txBody>
       </p:sp>
       <p:pic>
         <p:nvPicPr>
-          <p:cNvPr id="5" name="Content Placeholder 4" descr="Screen Shot 2016-12-19 at 12.48.02 PM.png"/>
+          <p:cNvPr id="14" name="Picture 13"/>
           <p:cNvPicPr>
-            <a:picLocks noGrp="1" noChangeAspect="1"/>
+            <a:picLocks noChangeAspect="1"/>
           </p:cNvPicPr>
-          <p:nvPr>
-            <p:ph idx="1"/>
-          </p:nvPr>
+          <p:nvPr/>
         </p:nvPicPr>
         <p:blipFill>
           <a:blip r:embed="rId3"/>
@@ -10631,183 +11076,8 @@
         </p:blipFill>
         <p:spPr>
           <a:xfrm>
-            <a:off x="2987615" y="2714625"/>
-            <a:ext cx="6680543" cy="876345"/>
-          </a:xfrm>
-        </p:spPr>
-      </p:pic>
-      <p:pic>
-        <p:nvPicPr>
-          <p:cNvPr id="4" name="Picture 3" descr="Screen Shot 2016-12-19 at 12.47.56 PM.png"/>
-          <p:cNvPicPr>
-            <a:picLocks noChangeAspect="1"/>
-          </p:cNvPicPr>
-          <p:nvPr/>
-        </p:nvPicPr>
-        <p:blipFill>
-          <a:blip r:embed="rId4"/>
-          <a:stretch>
-            <a:fillRect/>
-          </a:stretch>
-        </p:blipFill>
-        <p:spPr>
-          <a:xfrm>
-            <a:off x="5134258" y="1581150"/>
-            <a:ext cx="2273300" cy="673100"/>
-          </a:xfrm>
-          <a:prstGeom prst="rect">
-            <a:avLst/>
-          </a:prstGeom>
-        </p:spPr>
-      </p:pic>
-      <p:sp>
-        <p:nvSpPr>
-          <p:cNvPr id="6" name="TextBox 5"/>
-          <p:cNvSpPr txBox="1"/>
-          <p:nvPr/>
-        </p:nvSpPr>
-        <p:spPr>
-          <a:xfrm>
-            <a:off x="-66684" y="2924591"/>
-            <a:ext cx="3974840" cy="461665"/>
-          </a:xfrm>
-          <a:prstGeom prst="rect">
-            <a:avLst/>
-          </a:prstGeom>
-        </p:spPr>
-        <p:txBody>
-          <a:bodyPr rtlCol="0">
-            <a:spAutoFit/>
-          </a:bodyPr>
-          <a:lstStyle/>
-          <a:p>
-            <a:pPr algn="ctr"/>
-            <a:r>
-              <a:rPr lang="EN-US" sz="2400"/>
-              <a:t>RHS</a:t>
-            </a:r>
-          </a:p>
-        </p:txBody>
-      </p:sp>
-      <p:sp>
-        <p:nvSpPr>
-          <p:cNvPr id="7" name="TextBox 6"/>
-          <p:cNvSpPr txBox="1"/>
-          <p:nvPr/>
-        </p:nvSpPr>
-        <p:spPr>
-          <a:xfrm>
-            <a:off x="-109261" y="4629219"/>
-            <a:ext cx="3974840" cy="461665"/>
-          </a:xfrm>
-          <a:prstGeom prst="rect">
-            <a:avLst/>
-          </a:prstGeom>
-        </p:spPr>
-        <p:txBody>
-          <a:bodyPr rtlCol="0">
-            <a:spAutoFit/>
-          </a:bodyPr>
-          <a:lstStyle/>
-          <a:p>
-            <a:pPr algn="ctr"/>
-            <a:r>
-              <a:rPr lang="EN-US" sz="2400"/>
-              <a:t>LHS</a:t>
-            </a:r>
-          </a:p>
-        </p:txBody>
-      </p:sp>
-      <p:pic>
-        <p:nvPicPr>
-          <p:cNvPr id="8" name="Picture 7" descr="Screen Shot 2016-12-19 at 12.48.12 PM.png"/>
-          <p:cNvPicPr>
-            <a:picLocks noChangeAspect="1"/>
-          </p:cNvPicPr>
-          <p:nvPr/>
-        </p:nvPicPr>
-        <p:blipFill>
-          <a:blip r:embed="rId5"/>
-          <a:stretch>
-            <a:fillRect/>
-          </a:stretch>
-        </p:blipFill>
-        <p:spPr>
-          <a:xfrm>
-            <a:off x="4143904" y="3562350"/>
-            <a:ext cx="4513019" cy="711613"/>
-          </a:xfrm>
-          <a:prstGeom prst="rect">
-            <a:avLst/>
-          </a:prstGeom>
-        </p:spPr>
-      </p:pic>
-      <p:pic>
-        <p:nvPicPr>
-          <p:cNvPr id="9" name="Picture 8" descr="Screen Shot 2016-12-19 at 12.48.39 PM.png"/>
-          <p:cNvPicPr>
-            <a:picLocks noChangeAspect="1"/>
-          </p:cNvPicPr>
-          <p:nvPr/>
-        </p:nvPicPr>
-        <p:blipFill>
-          <a:blip r:embed="rId6"/>
-          <a:stretch>
-            <a:fillRect/>
-          </a:stretch>
-        </p:blipFill>
-        <p:spPr>
-          <a:xfrm>
-            <a:off x="2486025" y="4614841"/>
-            <a:ext cx="8948323" cy="509332"/>
-          </a:xfrm>
-          <a:prstGeom prst="rect">
-            <a:avLst/>
-          </a:prstGeom>
-        </p:spPr>
-      </p:pic>
-      <p:pic>
-        <p:nvPicPr>
-          <p:cNvPr id="10" name="Picture 9" descr="Screen Shot 2016-12-19 at 12.48.32 PM.png"/>
-          <p:cNvPicPr>
-            <a:picLocks noChangeAspect="1"/>
-          </p:cNvPicPr>
-          <p:nvPr/>
-        </p:nvPicPr>
-        <p:blipFill>
-          <a:blip r:embed="rId7"/>
-          <a:stretch>
-            <a:fillRect/>
-          </a:stretch>
-        </p:blipFill>
-        <p:spPr>
-          <a:xfrm>
-            <a:off x="4744550" y="5114925"/>
-            <a:ext cx="3190907" cy="560324"/>
-          </a:xfrm>
-          <a:prstGeom prst="rect">
-            <a:avLst/>
-          </a:prstGeom>
-        </p:spPr>
-      </p:pic>
-      <p:pic>
-        <p:nvPicPr>
-          <p:cNvPr id="12" name="Picture 11" descr="Screen Shot 2016-12-19 at 1.03.16 PM.png"/>
-          <p:cNvPicPr>
-            <a:picLocks noChangeAspect="1"/>
-          </p:cNvPicPr>
-          <p:nvPr/>
-        </p:nvPicPr>
-        <p:blipFill>
-          <a:blip r:embed="rId8"/>
-          <a:stretch>
-            <a:fillRect/>
-          </a:stretch>
-        </p:blipFill>
-        <p:spPr>
-          <a:xfrm>
-            <a:off x="5001263" y="5648325"/>
-            <a:ext cx="2533813" cy="638848"/>
+            <a:off x="2076931" y="1532988"/>
+            <a:ext cx="8527815" cy="4849150"/>
           </a:xfrm>
           <a:prstGeom prst="rect">
             <a:avLst/>
@@ -10844,9 +11114,213 @@
           <a:chExt cx="0" cy="0"/>
         </a:xfrm>
       </p:grpSpPr>
+      <p:sp useBgFill="1">
+        <p:nvSpPr>
+          <p:cNvPr id="18" name="Rectangle 19"/>
+          <p:cNvSpPr>
+            <a:spLocks noGrp="1" noRot="1" noChangeAspect="1" noMove="1" noResize="1" noEditPoints="1" noAdjustHandles="1" noChangeArrowheads="1" noChangeShapeType="1" noTextEdit="1"/>
+          </p:cNvSpPr>
+          <p:nvPr>
+            <p:extLst>
+              <p:ext uri="{386F3935-93C4-4BCD-93E2-E3B085C9AB24}">
+                <p16:designElem xmlns:p16="http://schemas.microsoft.com/office/powerpoint/2015/main" val="1"/>
+              </p:ext>
+            </p:extLst>
+          </p:nvPr>
+        </p:nvSpPr>
+        <p:spPr bwMode="white">
+          <a:xfrm>
+            <a:off x="0" y="0"/>
+            <a:ext cx="12192000" cy="6858000"/>
+          </a:xfrm>
+          <a:prstGeom prst="rect">
+            <a:avLst/>
+          </a:prstGeom>
+          <a:ln>
+            <a:noFill/>
+          </a:ln>
+        </p:spPr>
+        <p:style>
+          <a:lnRef idx="2">
+            <a:schemeClr val="accent1">
+              <a:shade val="50000"/>
+            </a:schemeClr>
+          </a:lnRef>
+          <a:fillRef idx="1">
+            <a:schemeClr val="accent1"/>
+          </a:fillRef>
+          <a:effectRef idx="0">
+            <a:schemeClr val="accent1"/>
+          </a:effectRef>
+          <a:fontRef idx="minor">
+            <a:schemeClr val="lt1"/>
+          </a:fontRef>
+        </p:style>
+        <p:txBody>
+          <a:bodyPr rot="0" spcFirstLastPara="0" vert="horz" wrap="square" lIns="91440" tIns="45720" rIns="91440" bIns="45720" numCol="1" spcCol="0" rtlCol="0" fromWordArt="0" anchor="ctr" anchorCtr="0" forceAA="0" compatLnSpc="1">
+            <a:prstTxWarp prst="textNoShape">
+              <a:avLst/>
+            </a:prstTxWarp>
+            <a:noAutofit/>
+          </a:bodyPr>
+          <a:lstStyle>
+            <a:defPPr>
+              <a:defRPr lang="en-US"/>
+            </a:defPPr>
+            <a:lvl1pPr marL="0" algn="l" defTabSz="914400" rtl="0" eaLnBrk="1" latinLnBrk="0" hangingPunct="1">
+              <a:defRPr sz="1800" kern="1200">
+                <a:solidFill>
+                  <a:schemeClr val="lt1"/>
+                </a:solidFill>
+                <a:latin typeface="+mn-lt"/>
+                <a:ea typeface="+mn-ea"/>
+                <a:cs typeface="+mn-cs"/>
+              </a:defRPr>
+            </a:lvl1pPr>
+            <a:lvl2pPr marL="457200" algn="l" defTabSz="914400" rtl="0" eaLnBrk="1" latinLnBrk="0" hangingPunct="1">
+              <a:defRPr sz="1800" kern="1200">
+                <a:solidFill>
+                  <a:schemeClr val="lt1"/>
+                </a:solidFill>
+                <a:latin typeface="+mn-lt"/>
+                <a:ea typeface="+mn-ea"/>
+                <a:cs typeface="+mn-cs"/>
+              </a:defRPr>
+            </a:lvl2pPr>
+            <a:lvl3pPr marL="914400" algn="l" defTabSz="914400" rtl="0" eaLnBrk="1" latinLnBrk="0" hangingPunct="1">
+              <a:defRPr sz="1800" kern="1200">
+                <a:solidFill>
+                  <a:schemeClr val="lt1"/>
+                </a:solidFill>
+                <a:latin typeface="+mn-lt"/>
+                <a:ea typeface="+mn-ea"/>
+                <a:cs typeface="+mn-cs"/>
+              </a:defRPr>
+            </a:lvl3pPr>
+            <a:lvl4pPr marL="1371600" algn="l" defTabSz="914400" rtl="0" eaLnBrk="1" latinLnBrk="0" hangingPunct="1">
+              <a:defRPr sz="1800" kern="1200">
+                <a:solidFill>
+                  <a:schemeClr val="lt1"/>
+                </a:solidFill>
+                <a:latin typeface="+mn-lt"/>
+                <a:ea typeface="+mn-ea"/>
+                <a:cs typeface="+mn-cs"/>
+              </a:defRPr>
+            </a:lvl4pPr>
+            <a:lvl5pPr marL="1828800" algn="l" defTabSz="914400" rtl="0" eaLnBrk="1" latinLnBrk="0" hangingPunct="1">
+              <a:defRPr sz="1800" kern="1200">
+                <a:solidFill>
+                  <a:schemeClr val="lt1"/>
+                </a:solidFill>
+                <a:latin typeface="+mn-lt"/>
+                <a:ea typeface="+mn-ea"/>
+                <a:cs typeface="+mn-cs"/>
+              </a:defRPr>
+            </a:lvl5pPr>
+            <a:lvl6pPr marL="2286000" algn="l" defTabSz="914400" rtl="0" eaLnBrk="1" latinLnBrk="0" hangingPunct="1">
+              <a:defRPr sz="1800" kern="1200">
+                <a:solidFill>
+                  <a:schemeClr val="lt1"/>
+                </a:solidFill>
+                <a:latin typeface="+mn-lt"/>
+                <a:ea typeface="+mn-ea"/>
+                <a:cs typeface="+mn-cs"/>
+              </a:defRPr>
+            </a:lvl6pPr>
+            <a:lvl7pPr marL="2743200" algn="l" defTabSz="914400" rtl="0" eaLnBrk="1" latinLnBrk="0" hangingPunct="1">
+              <a:defRPr sz="1800" kern="1200">
+                <a:solidFill>
+                  <a:schemeClr val="lt1"/>
+                </a:solidFill>
+                <a:latin typeface="+mn-lt"/>
+                <a:ea typeface="+mn-ea"/>
+                <a:cs typeface="+mn-cs"/>
+              </a:defRPr>
+            </a:lvl7pPr>
+            <a:lvl8pPr marL="3200400" algn="l" defTabSz="914400" rtl="0" eaLnBrk="1" latinLnBrk="0" hangingPunct="1">
+              <a:defRPr sz="1800" kern="1200">
+                <a:solidFill>
+                  <a:schemeClr val="lt1"/>
+                </a:solidFill>
+                <a:latin typeface="+mn-lt"/>
+                <a:ea typeface="+mn-ea"/>
+                <a:cs typeface="+mn-cs"/>
+              </a:defRPr>
+            </a:lvl8pPr>
+            <a:lvl9pPr marL="3657600" algn="l" defTabSz="914400" rtl="0" eaLnBrk="1" latinLnBrk="0" hangingPunct="1">
+              <a:defRPr sz="1800" kern="1200">
+                <a:solidFill>
+                  <a:schemeClr val="lt1"/>
+                </a:solidFill>
+                <a:latin typeface="+mn-lt"/>
+                <a:ea typeface="+mn-ea"/>
+                <a:cs typeface="+mn-cs"/>
+              </a:defRPr>
+            </a:lvl9pPr>
+          </a:lstStyle>
+          <a:p>
+            <a:pPr algn="ctr"/>
+            <a:endParaRPr lang="en-US"/>
+          </a:p>
+        </p:txBody>
+      </p:sp>
+      <p:sp>
+        <p:nvSpPr>
+          <p:cNvPr id="19" name="Rectangle 21"/>
+          <p:cNvSpPr>
+            <a:spLocks noGrp="1" noRot="1" noChangeAspect="1" noMove="1" noResize="1" noEditPoints="1" noAdjustHandles="1" noChangeArrowheads="1" noChangeShapeType="1" noTextEdit="1"/>
+          </p:cNvSpPr>
+          <p:nvPr>
+            <p:extLst>
+              <p:ext uri="{386F3935-93C4-4BCD-93E2-E3B085C9AB24}">
+                <p16:designElem xmlns:p16="http://schemas.microsoft.com/office/powerpoint/2015/main" val="1"/>
+              </p:ext>
+            </p:extLst>
+          </p:nvPr>
+        </p:nvSpPr>
+        <p:spPr>
+          <a:xfrm>
+            <a:off x="4038601" y="643467"/>
+            <a:ext cx="7391400" cy="5564920"/>
+          </a:xfrm>
+          <a:prstGeom prst="rect">
+            <a:avLst/>
+          </a:prstGeom>
+          <a:solidFill>
+            <a:schemeClr val="bg1"/>
+          </a:solidFill>
+          <a:ln>
+            <a:noFill/>
+          </a:ln>
+        </p:spPr>
+        <p:style>
+          <a:lnRef idx="2">
+            <a:schemeClr val="accent1">
+              <a:shade val="50000"/>
+            </a:schemeClr>
+          </a:lnRef>
+          <a:fillRef idx="1">
+            <a:schemeClr val="accent1"/>
+          </a:fillRef>
+          <a:effectRef idx="0">
+            <a:schemeClr val="accent1"/>
+          </a:effectRef>
+          <a:fontRef idx="minor">
+            <a:schemeClr val="lt1"/>
+          </a:fontRef>
+        </p:style>
+        <p:txBody>
+          <a:bodyPr rtlCol="0" anchor="ctr"/>
+          <a:lstStyle/>
+          <a:p>
+            <a:pPr algn="ctr"/>
+            <a:endParaRPr lang="en-US"/>
+          </a:p>
+        </p:txBody>
+      </p:sp>
       <p:pic>
         <p:nvPicPr>
-          <p:cNvPr id="10" name="Picture 9"/>
+          <p:cNvPr id="6" name="Content Placeholder 3"/>
           <p:cNvPicPr>
             <a:picLocks noChangeAspect="1"/>
           </p:cNvPicPr>
@@ -10860,21 +11334,104 @@
         </p:blipFill>
         <p:spPr>
           <a:xfrm>
-            <a:off x="1517770" y="535021"/>
-            <a:ext cx="3978081" cy="2654872"/>
+            <a:off x="4711748" y="1702206"/>
+            <a:ext cx="6074784" cy="3447440"/>
           </a:xfrm>
           <a:prstGeom prst="rect">
             <a:avLst/>
           </a:prstGeom>
         </p:spPr>
       </p:pic>
+      <p:sp>
+        <p:nvSpPr>
+          <p:cNvPr id="21" name="Rectangle 23" title="left edge border"/>
+          <p:cNvSpPr>
+            <a:spLocks noGrp="1" noRot="1" noChangeAspect="1" noMove="1" noResize="1" noEditPoints="1" noAdjustHandles="1" noChangeArrowheads="1" noChangeShapeType="1" noTextEdit="1"/>
+          </p:cNvSpPr>
+          <p:nvPr>
+            <p:extLst>
+              <p:ext uri="{386F3935-93C4-4BCD-93E2-E3B085C9AB24}">
+                <p16:designElem xmlns:p16="http://schemas.microsoft.com/office/powerpoint/2015/main" val="1"/>
+              </p:ext>
+            </p:extLst>
+          </p:nvPr>
+        </p:nvSpPr>
+        <p:spPr>
+          <a:xfrm>
+            <a:off x="0" y="0"/>
+            <a:ext cx="283464" cy="6858000"/>
+          </a:xfrm>
+          <a:prstGeom prst="rect">
+            <a:avLst/>
+          </a:prstGeom>
+          <a:solidFill>
+            <a:schemeClr val="accent1"/>
+          </a:solidFill>
+          <a:ln>
+            <a:noFill/>
+          </a:ln>
+        </p:spPr>
+        <p:style>
+          <a:lnRef idx="2">
+            <a:schemeClr val="accent1">
+              <a:shade val="50000"/>
+            </a:schemeClr>
+          </a:lnRef>
+          <a:fillRef idx="1">
+            <a:schemeClr val="accent1"/>
+          </a:fillRef>
+          <a:effectRef idx="0">
+            <a:schemeClr val="accent1"/>
+          </a:effectRef>
+          <a:fontRef idx="minor">
+            <a:schemeClr val="lt1"/>
+          </a:fontRef>
+        </p:style>
+      </p:sp>
+      <p:sp>
+        <p:nvSpPr>
+          <p:cNvPr id="2" name="Title 1"/>
+          <p:cNvSpPr>
+            <a:spLocks noGrp="1"/>
+          </p:cNvSpPr>
+          <p:nvPr>
+            <p:ph type="title"/>
+          </p:nvPr>
+        </p:nvSpPr>
+        <p:spPr>
+          <a:xfrm>
+            <a:off x="605198" y="643467"/>
+            <a:ext cx="3111669" cy="899780"/>
+          </a:xfrm>
+        </p:spPr>
+        <p:txBody>
+          <a:bodyPr anchor="b">
+            <a:normAutofit/>
+          </a:bodyPr>
+          <a:lstStyle/>
+          <a:p>
+            <a:pPr algn="ctr"/>
+            <a:r>
+              <a:rPr lang="en-US" altLang="zh-CN" sz="2000" dirty="0">
+                <a:solidFill>
+                  <a:srgbClr val="2A1A00"/>
+                </a:solidFill>
+              </a:rPr>
+              <a:t>Gaussian distribution </a:t>
+            </a:r>
+            <a:endParaRPr lang="en-US" sz="2000" dirty="0"/>
+          </a:p>
+        </p:txBody>
+      </p:sp>
       <p:pic>
         <p:nvPicPr>
-          <p:cNvPr id="12" name="Picture 11"/>
+          <p:cNvPr id="5" name="Content Placeholder 4"/>
           <p:cNvPicPr>
-            <a:picLocks noChangeAspect="1"/>
+            <a:picLocks noGrp="1" noChangeAspect="1"/>
           </p:cNvPicPr>
-          <p:nvPr/>
+          <p:nvPr>
+            <p:ph idx="1"/>
+          </p:nvPr>
         </p:nvPicPr>
         <p:blipFill>
           <a:blip r:embed="rId3"/>
@@ -10884,17 +11441,14 @@
         </p:blipFill>
         <p:spPr>
           <a:xfrm>
-            <a:off x="1517770" y="3571113"/>
-            <a:ext cx="3978081" cy="2973636"/>
+            <a:off x="402689" y="1670103"/>
+            <a:ext cx="3516686" cy="3738185"/>
           </a:xfrm>
-          <a:prstGeom prst="rect">
-            <a:avLst/>
-          </a:prstGeom>
         </p:spPr>
       </p:pic>
       <p:pic>
         <p:nvPicPr>
-          <p:cNvPr id="16" name="Picture 15"/>
+          <p:cNvPr id="23" name="Content Placeholder 21"/>
           <p:cNvPicPr>
             <a:picLocks noChangeAspect="1"/>
           </p:cNvPicPr>
@@ -10908,32 +11462,8 @@
         </p:blipFill>
         <p:spPr>
           <a:xfrm>
-            <a:off x="6171473" y="535020"/>
-            <a:ext cx="4418107" cy="2654873"/>
-          </a:xfrm>
-          <a:prstGeom prst="rect">
-            <a:avLst/>
-          </a:prstGeom>
-        </p:spPr>
-      </p:pic>
-      <p:pic>
-        <p:nvPicPr>
-          <p:cNvPr id="20" name="Picture 19"/>
-          <p:cNvPicPr>
-            <a:picLocks noChangeAspect="1"/>
-          </p:cNvPicPr>
-          <p:nvPr/>
-        </p:nvPicPr>
-        <p:blipFill>
-          <a:blip r:embed="rId5"/>
-          <a:stretch>
-            <a:fillRect/>
-          </a:stretch>
-        </p:blipFill>
-        <p:spPr>
-          <a:xfrm>
-            <a:off x="6171473" y="3571113"/>
-            <a:ext cx="4418107" cy="2950110"/>
+            <a:off x="772612" y="5535144"/>
+            <a:ext cx="2776841" cy="672978"/>
           </a:xfrm>
           <a:prstGeom prst="rect">
             <a:avLst/>
@@ -10943,7 +11473,7 @@
     </p:spTree>
     <p:extLst>
       <p:ext uri="{BB962C8B-B14F-4D97-AF65-F5344CB8AC3E}">
-        <p14:creationId xmlns:p14="http://schemas.microsoft.com/office/powerpoint/2010/main" val="893799103"/>
+        <p14:creationId xmlns:p14="http://schemas.microsoft.com/office/powerpoint/2010/main" val="792038324"/>
       </p:ext>
     </p:extLst>
   </p:cSld>
@@ -10970,9 +11500,294 @@
           <a:chExt cx="0" cy="0"/>
         </a:xfrm>
       </p:grpSpPr>
+      <p:sp useBgFill="1">
+        <p:nvSpPr>
+          <p:cNvPr id="18" name="Rectangle 19"/>
+          <p:cNvSpPr>
+            <a:spLocks noGrp="1" noRot="1" noChangeAspect="1" noMove="1" noResize="1" noEditPoints="1" noAdjustHandles="1" noChangeArrowheads="1" noChangeShapeType="1" noTextEdit="1"/>
+          </p:cNvSpPr>
+          <p:nvPr>
+            <p:extLst>
+              <p:ext uri="{386F3935-93C4-4BCD-93E2-E3B085C9AB24}">
+                <p16:designElem xmlns:p16="http://schemas.microsoft.com/office/powerpoint/2015/main" val="1"/>
+              </p:ext>
+            </p:extLst>
+          </p:nvPr>
+        </p:nvSpPr>
+        <p:spPr bwMode="white">
+          <a:xfrm>
+            <a:off x="0" y="0"/>
+            <a:ext cx="12192000" cy="6858000"/>
+          </a:xfrm>
+          <a:prstGeom prst="rect">
+            <a:avLst/>
+          </a:prstGeom>
+          <a:ln>
+            <a:noFill/>
+          </a:ln>
+        </p:spPr>
+        <p:style>
+          <a:lnRef idx="2">
+            <a:schemeClr val="accent1">
+              <a:shade val="50000"/>
+            </a:schemeClr>
+          </a:lnRef>
+          <a:fillRef idx="1">
+            <a:schemeClr val="accent1"/>
+          </a:fillRef>
+          <a:effectRef idx="0">
+            <a:schemeClr val="accent1"/>
+          </a:effectRef>
+          <a:fontRef idx="minor">
+            <a:schemeClr val="lt1"/>
+          </a:fontRef>
+        </p:style>
+        <p:txBody>
+          <a:bodyPr rot="0" spcFirstLastPara="0" vert="horz" wrap="square" lIns="91440" tIns="45720" rIns="91440" bIns="45720" numCol="1" spcCol="0" rtlCol="0" fromWordArt="0" anchor="ctr" anchorCtr="0" forceAA="0" compatLnSpc="1">
+            <a:prstTxWarp prst="textNoShape">
+              <a:avLst/>
+            </a:prstTxWarp>
+            <a:noAutofit/>
+          </a:bodyPr>
+          <a:lstStyle>
+            <a:defPPr>
+              <a:defRPr lang="en-US"/>
+            </a:defPPr>
+            <a:lvl1pPr marL="0" algn="l" defTabSz="914400" rtl="0" eaLnBrk="1" latinLnBrk="0" hangingPunct="1">
+              <a:defRPr sz="1800" kern="1200">
+                <a:solidFill>
+                  <a:schemeClr val="lt1"/>
+                </a:solidFill>
+                <a:latin typeface="+mn-lt"/>
+                <a:ea typeface="+mn-ea"/>
+                <a:cs typeface="+mn-cs"/>
+              </a:defRPr>
+            </a:lvl1pPr>
+            <a:lvl2pPr marL="457200" algn="l" defTabSz="914400" rtl="0" eaLnBrk="1" latinLnBrk="0" hangingPunct="1">
+              <a:defRPr sz="1800" kern="1200">
+                <a:solidFill>
+                  <a:schemeClr val="lt1"/>
+                </a:solidFill>
+                <a:latin typeface="+mn-lt"/>
+                <a:ea typeface="+mn-ea"/>
+                <a:cs typeface="+mn-cs"/>
+              </a:defRPr>
+            </a:lvl2pPr>
+            <a:lvl3pPr marL="914400" algn="l" defTabSz="914400" rtl="0" eaLnBrk="1" latinLnBrk="0" hangingPunct="1">
+              <a:defRPr sz="1800" kern="1200">
+                <a:solidFill>
+                  <a:schemeClr val="lt1"/>
+                </a:solidFill>
+                <a:latin typeface="+mn-lt"/>
+                <a:ea typeface="+mn-ea"/>
+                <a:cs typeface="+mn-cs"/>
+              </a:defRPr>
+            </a:lvl3pPr>
+            <a:lvl4pPr marL="1371600" algn="l" defTabSz="914400" rtl="0" eaLnBrk="1" latinLnBrk="0" hangingPunct="1">
+              <a:defRPr sz="1800" kern="1200">
+                <a:solidFill>
+                  <a:schemeClr val="lt1"/>
+                </a:solidFill>
+                <a:latin typeface="+mn-lt"/>
+                <a:ea typeface="+mn-ea"/>
+                <a:cs typeface="+mn-cs"/>
+              </a:defRPr>
+            </a:lvl4pPr>
+            <a:lvl5pPr marL="1828800" algn="l" defTabSz="914400" rtl="0" eaLnBrk="1" latinLnBrk="0" hangingPunct="1">
+              <a:defRPr sz="1800" kern="1200">
+                <a:solidFill>
+                  <a:schemeClr val="lt1"/>
+                </a:solidFill>
+                <a:latin typeface="+mn-lt"/>
+                <a:ea typeface="+mn-ea"/>
+                <a:cs typeface="+mn-cs"/>
+              </a:defRPr>
+            </a:lvl5pPr>
+            <a:lvl6pPr marL="2286000" algn="l" defTabSz="914400" rtl="0" eaLnBrk="1" latinLnBrk="0" hangingPunct="1">
+              <a:defRPr sz="1800" kern="1200">
+                <a:solidFill>
+                  <a:schemeClr val="lt1"/>
+                </a:solidFill>
+                <a:latin typeface="+mn-lt"/>
+                <a:ea typeface="+mn-ea"/>
+                <a:cs typeface="+mn-cs"/>
+              </a:defRPr>
+            </a:lvl6pPr>
+            <a:lvl7pPr marL="2743200" algn="l" defTabSz="914400" rtl="0" eaLnBrk="1" latinLnBrk="0" hangingPunct="1">
+              <a:defRPr sz="1800" kern="1200">
+                <a:solidFill>
+                  <a:schemeClr val="lt1"/>
+                </a:solidFill>
+                <a:latin typeface="+mn-lt"/>
+                <a:ea typeface="+mn-ea"/>
+                <a:cs typeface="+mn-cs"/>
+              </a:defRPr>
+            </a:lvl7pPr>
+            <a:lvl8pPr marL="3200400" algn="l" defTabSz="914400" rtl="0" eaLnBrk="1" latinLnBrk="0" hangingPunct="1">
+              <a:defRPr sz="1800" kern="1200">
+                <a:solidFill>
+                  <a:schemeClr val="lt1"/>
+                </a:solidFill>
+                <a:latin typeface="+mn-lt"/>
+                <a:ea typeface="+mn-ea"/>
+                <a:cs typeface="+mn-cs"/>
+              </a:defRPr>
+            </a:lvl8pPr>
+            <a:lvl9pPr marL="3657600" algn="l" defTabSz="914400" rtl="0" eaLnBrk="1" latinLnBrk="0" hangingPunct="1">
+              <a:defRPr sz="1800" kern="1200">
+                <a:solidFill>
+                  <a:schemeClr val="lt1"/>
+                </a:solidFill>
+                <a:latin typeface="+mn-lt"/>
+                <a:ea typeface="+mn-ea"/>
+                <a:cs typeface="+mn-cs"/>
+              </a:defRPr>
+            </a:lvl9pPr>
+          </a:lstStyle>
+          <a:p>
+            <a:pPr algn="ctr"/>
+            <a:endParaRPr lang="en-US"/>
+          </a:p>
+        </p:txBody>
+      </p:sp>
+      <p:sp>
+        <p:nvSpPr>
+          <p:cNvPr id="19" name="Rectangle 21"/>
+          <p:cNvSpPr>
+            <a:spLocks noGrp="1" noRot="1" noChangeAspect="1" noMove="1" noResize="1" noEditPoints="1" noAdjustHandles="1" noChangeArrowheads="1" noChangeShapeType="1" noTextEdit="1"/>
+          </p:cNvSpPr>
+          <p:nvPr>
+            <p:extLst>
+              <p:ext uri="{386F3935-93C4-4BCD-93E2-E3B085C9AB24}">
+                <p16:designElem xmlns:p16="http://schemas.microsoft.com/office/powerpoint/2015/main" val="1"/>
+              </p:ext>
+            </p:extLst>
+          </p:nvPr>
+        </p:nvSpPr>
+        <p:spPr>
+          <a:xfrm>
+            <a:off x="4038601" y="643467"/>
+            <a:ext cx="7391400" cy="5564920"/>
+          </a:xfrm>
+          <a:prstGeom prst="rect">
+            <a:avLst/>
+          </a:prstGeom>
+          <a:solidFill>
+            <a:schemeClr val="bg1"/>
+          </a:solidFill>
+          <a:ln>
+            <a:noFill/>
+          </a:ln>
+        </p:spPr>
+        <p:style>
+          <a:lnRef idx="2">
+            <a:schemeClr val="accent1">
+              <a:shade val="50000"/>
+            </a:schemeClr>
+          </a:lnRef>
+          <a:fillRef idx="1">
+            <a:schemeClr val="accent1"/>
+          </a:fillRef>
+          <a:effectRef idx="0">
+            <a:schemeClr val="accent1"/>
+          </a:effectRef>
+          <a:fontRef idx="minor">
+            <a:schemeClr val="lt1"/>
+          </a:fontRef>
+        </p:style>
+        <p:txBody>
+          <a:bodyPr rtlCol="0" anchor="ctr"/>
+          <a:lstStyle/>
+          <a:p>
+            <a:pPr algn="ctr"/>
+            <a:endParaRPr lang="en-US"/>
+          </a:p>
+        </p:txBody>
+      </p:sp>
+      <p:sp>
+        <p:nvSpPr>
+          <p:cNvPr id="21" name="Rectangle 23" title="left edge border"/>
+          <p:cNvSpPr>
+            <a:spLocks noGrp="1" noRot="1" noChangeAspect="1" noMove="1" noResize="1" noEditPoints="1" noAdjustHandles="1" noChangeArrowheads="1" noChangeShapeType="1" noTextEdit="1"/>
+          </p:cNvSpPr>
+          <p:nvPr>
+            <p:extLst>
+              <p:ext uri="{386F3935-93C4-4BCD-93E2-E3B085C9AB24}">
+                <p16:designElem xmlns:p16="http://schemas.microsoft.com/office/powerpoint/2015/main" val="1"/>
+              </p:ext>
+            </p:extLst>
+          </p:nvPr>
+        </p:nvSpPr>
+        <p:spPr>
+          <a:xfrm>
+            <a:off x="0" y="0"/>
+            <a:ext cx="283464" cy="6858000"/>
+          </a:xfrm>
+          <a:prstGeom prst="rect">
+            <a:avLst/>
+          </a:prstGeom>
+          <a:solidFill>
+            <a:schemeClr val="accent1"/>
+          </a:solidFill>
+          <a:ln>
+            <a:noFill/>
+          </a:ln>
+        </p:spPr>
+        <p:style>
+          <a:lnRef idx="2">
+            <a:schemeClr val="accent1">
+              <a:shade val="50000"/>
+            </a:schemeClr>
+          </a:lnRef>
+          <a:fillRef idx="1">
+            <a:schemeClr val="accent1"/>
+          </a:fillRef>
+          <a:effectRef idx="0">
+            <a:schemeClr val="accent1"/>
+          </a:effectRef>
+          <a:fontRef idx="minor">
+            <a:schemeClr val="lt1"/>
+          </a:fontRef>
+        </p:style>
+      </p:sp>
+      <p:sp>
+        <p:nvSpPr>
+          <p:cNvPr id="2" name="Title 1"/>
+          <p:cNvSpPr>
+            <a:spLocks noGrp="1"/>
+          </p:cNvSpPr>
+          <p:nvPr>
+            <p:ph type="title"/>
+          </p:nvPr>
+        </p:nvSpPr>
+        <p:spPr>
+          <a:xfrm>
+            <a:off x="605196" y="1318001"/>
+            <a:ext cx="3111669" cy="638698"/>
+          </a:xfrm>
+        </p:spPr>
+        <p:txBody>
+          <a:bodyPr anchor="b">
+            <a:normAutofit/>
+          </a:bodyPr>
+          <a:lstStyle/>
+          <a:p>
+            <a:pPr algn="ctr"/>
+            <a:r>
+              <a:rPr lang="en-US" altLang="zh-CN" sz="3200" dirty="0">
+                <a:solidFill>
+                  <a:srgbClr val="2A1A00"/>
+                </a:solidFill>
+              </a:rPr>
+              <a:t>Fitting</a:t>
+            </a:r>
+            <a:endParaRPr lang="en-US" sz="3200" dirty="0"/>
+          </a:p>
+        </p:txBody>
+      </p:sp>
       <p:pic>
         <p:nvPicPr>
-          <p:cNvPr id="5" name="Picture 4"/>
+          <p:cNvPr id="9" name="Content Placeholder 5"/>
           <p:cNvPicPr>
             <a:picLocks noChangeAspect="1"/>
           </p:cNvPicPr>
@@ -10986,8 +11801,8 @@
         </p:blipFill>
         <p:spPr>
           <a:xfrm>
-            <a:off x="1512605" y="3896096"/>
-            <a:ext cx="4421666" cy="2961904"/>
+            <a:off x="4038599" y="643467"/>
+            <a:ext cx="7404009" cy="1987766"/>
           </a:xfrm>
           <a:prstGeom prst="rect">
             <a:avLst/>
@@ -10996,7 +11811,7 @@
       </p:pic>
       <p:pic>
         <p:nvPicPr>
-          <p:cNvPr id="7" name="Picture 6"/>
+          <p:cNvPr id="4" name="Picture 3"/>
           <p:cNvPicPr>
             <a:picLocks noChangeAspect="1"/>
           </p:cNvPicPr>
@@ -11010,8 +11825,8 @@
         </p:blipFill>
         <p:spPr>
           <a:xfrm>
-            <a:off x="1286548" y="135951"/>
-            <a:ext cx="5097714" cy="3420123"/>
+            <a:off x="4202350" y="4543538"/>
+            <a:ext cx="7104478" cy="1468156"/>
           </a:xfrm>
           <a:prstGeom prst="rect">
             <a:avLst/>
@@ -11020,7 +11835,7 @@
       </p:pic>
       <p:pic>
         <p:nvPicPr>
-          <p:cNvPr id="9" name="Picture 8"/>
+          <p:cNvPr id="12" name="Content Placeholder 21"/>
           <p:cNvPicPr>
             <a:picLocks noChangeAspect="1"/>
           </p:cNvPicPr>
@@ -11034,21 +11849,81 @@
         </p:blipFill>
         <p:spPr>
           <a:xfrm>
-            <a:off x="6764694" y="3556074"/>
-            <a:ext cx="4695141" cy="3131759"/>
+            <a:off x="5285832" y="3119437"/>
+            <a:ext cx="3483557" cy="844253"/>
           </a:xfrm>
           <a:prstGeom prst="rect">
             <a:avLst/>
           </a:prstGeom>
         </p:spPr>
       </p:pic>
+      <p:sp>
+        <p:nvSpPr>
+          <p:cNvPr id="7" name="TextBox 6"/>
+          <p:cNvSpPr txBox="1"/>
+          <p:nvPr/>
+        </p:nvSpPr>
+        <p:spPr>
+          <a:xfrm>
+            <a:off x="4202349" y="4068948"/>
+            <a:ext cx="1303506" cy="369332"/>
+          </a:xfrm>
+          <a:prstGeom prst="rect">
+            <a:avLst/>
+          </a:prstGeom>
+          <a:noFill/>
+        </p:spPr>
+        <p:txBody>
+          <a:bodyPr wrap="square" rtlCol="0">
+            <a:spAutoFit/>
+          </a:bodyPr>
+          <a:lstStyle/>
+          <a:p>
+            <a:r>
+              <a:rPr lang="en-US" dirty="0"/>
+              <a:t>Core code:</a:t>
+            </a:r>
+          </a:p>
+        </p:txBody>
+      </p:sp>
+      <p:sp>
+        <p:nvSpPr>
+          <p:cNvPr id="14" name="TextBox 13"/>
+          <p:cNvSpPr txBox="1"/>
+          <p:nvPr/>
+        </p:nvSpPr>
+        <p:spPr>
+          <a:xfrm>
+            <a:off x="4202349" y="2733350"/>
+            <a:ext cx="1680582" cy="369332"/>
+          </a:xfrm>
+          <a:prstGeom prst="rect">
+            <a:avLst/>
+          </a:prstGeom>
+          <a:noFill/>
+        </p:spPr>
+        <p:txBody>
+          <a:bodyPr wrap="square" rtlCol="0">
+            <a:spAutoFit/>
+          </a:bodyPr>
+          <a:lstStyle/>
+          <a:p>
+            <a:r>
+              <a:rPr lang="en-US" dirty="0"/>
+              <a:t>Fitting function:</a:t>
+            </a:r>
+          </a:p>
+        </p:txBody>
+      </p:sp>
       <p:pic>
         <p:nvPicPr>
-          <p:cNvPr id="13" name="Picture 12"/>
+          <p:cNvPr id="15" name="Content Placeholder 14"/>
           <p:cNvPicPr>
-            <a:picLocks noChangeAspect="1"/>
+            <a:picLocks noGrp="1" noChangeAspect="1"/>
           </p:cNvPicPr>
-          <p:nvPr/>
+          <p:nvPr>
+            <p:ph idx="1"/>
+          </p:nvPr>
         </p:nvPicPr>
         <p:blipFill>
           <a:blip r:embed="rId5"/>
@@ -11058,18 +11933,15 @@
         </p:blipFill>
         <p:spPr>
           <a:xfrm>
-            <a:off x="6993456" y="251996"/>
-            <a:ext cx="4769336" cy="3188032"/>
+            <a:off x="310277" y="2631232"/>
+            <a:ext cx="3701507" cy="3567993"/>
           </a:xfrm>
-          <a:prstGeom prst="rect">
-            <a:avLst/>
-          </a:prstGeom>
         </p:spPr>
       </p:pic>
     </p:spTree>
     <p:extLst>
       <p:ext uri="{BB962C8B-B14F-4D97-AF65-F5344CB8AC3E}">
-        <p14:creationId xmlns:p14="http://schemas.microsoft.com/office/powerpoint/2010/main" val="295758099"/>
+        <p14:creationId xmlns:p14="http://schemas.microsoft.com/office/powerpoint/2010/main" val="868399181"/>
       </p:ext>
     </p:extLst>
   </p:cSld>
@@ -11096,9 +11968,213 @@
           <a:chExt cx="0" cy="0"/>
         </a:xfrm>
       </p:grpSpPr>
+      <p:sp useBgFill="1">
+        <p:nvSpPr>
+          <p:cNvPr id="24" name="Rectangle 11"/>
+          <p:cNvSpPr>
+            <a:spLocks noGrp="1" noRot="1" noChangeAspect="1" noMove="1" noResize="1" noEditPoints="1" noAdjustHandles="1" noChangeArrowheads="1" noChangeShapeType="1" noTextEdit="1"/>
+          </p:cNvSpPr>
+          <p:nvPr>
+            <p:extLst>
+              <p:ext uri="{386F3935-93C4-4BCD-93E2-E3B085C9AB24}">
+                <p16:designElem xmlns:p16="http://schemas.microsoft.com/office/powerpoint/2015/main" val="1"/>
+              </p:ext>
+            </p:extLst>
+          </p:nvPr>
+        </p:nvSpPr>
+        <p:spPr bwMode="white">
+          <a:xfrm>
+            <a:off x="0" y="0"/>
+            <a:ext cx="12192000" cy="6858000"/>
+          </a:xfrm>
+          <a:prstGeom prst="rect">
+            <a:avLst/>
+          </a:prstGeom>
+          <a:ln>
+            <a:noFill/>
+          </a:ln>
+        </p:spPr>
+        <p:style>
+          <a:lnRef idx="2">
+            <a:schemeClr val="accent1">
+              <a:shade val="50000"/>
+            </a:schemeClr>
+          </a:lnRef>
+          <a:fillRef idx="1">
+            <a:schemeClr val="accent1"/>
+          </a:fillRef>
+          <a:effectRef idx="0">
+            <a:schemeClr val="accent1"/>
+          </a:effectRef>
+          <a:fontRef idx="minor">
+            <a:schemeClr val="lt1"/>
+          </a:fontRef>
+        </p:style>
+        <p:txBody>
+          <a:bodyPr rot="0" spcFirstLastPara="0" vert="horz" wrap="square" lIns="91440" tIns="45720" rIns="91440" bIns="45720" numCol="1" spcCol="0" rtlCol="0" fromWordArt="0" anchor="ctr" anchorCtr="0" forceAA="0" compatLnSpc="1">
+            <a:prstTxWarp prst="textNoShape">
+              <a:avLst/>
+            </a:prstTxWarp>
+            <a:noAutofit/>
+          </a:bodyPr>
+          <a:lstStyle>
+            <a:defPPr>
+              <a:defRPr lang="en-US"/>
+            </a:defPPr>
+            <a:lvl1pPr marL="0" algn="l" defTabSz="914400" rtl="0" eaLnBrk="1" latinLnBrk="0" hangingPunct="1">
+              <a:defRPr sz="1800" kern="1200">
+                <a:solidFill>
+                  <a:schemeClr val="lt1"/>
+                </a:solidFill>
+                <a:latin typeface="+mn-lt"/>
+                <a:ea typeface="+mn-ea"/>
+                <a:cs typeface="+mn-cs"/>
+              </a:defRPr>
+            </a:lvl1pPr>
+            <a:lvl2pPr marL="457200" algn="l" defTabSz="914400" rtl="0" eaLnBrk="1" latinLnBrk="0" hangingPunct="1">
+              <a:defRPr sz="1800" kern="1200">
+                <a:solidFill>
+                  <a:schemeClr val="lt1"/>
+                </a:solidFill>
+                <a:latin typeface="+mn-lt"/>
+                <a:ea typeface="+mn-ea"/>
+                <a:cs typeface="+mn-cs"/>
+              </a:defRPr>
+            </a:lvl2pPr>
+            <a:lvl3pPr marL="914400" algn="l" defTabSz="914400" rtl="0" eaLnBrk="1" latinLnBrk="0" hangingPunct="1">
+              <a:defRPr sz="1800" kern="1200">
+                <a:solidFill>
+                  <a:schemeClr val="lt1"/>
+                </a:solidFill>
+                <a:latin typeface="+mn-lt"/>
+                <a:ea typeface="+mn-ea"/>
+                <a:cs typeface="+mn-cs"/>
+              </a:defRPr>
+            </a:lvl3pPr>
+            <a:lvl4pPr marL="1371600" algn="l" defTabSz="914400" rtl="0" eaLnBrk="1" latinLnBrk="0" hangingPunct="1">
+              <a:defRPr sz="1800" kern="1200">
+                <a:solidFill>
+                  <a:schemeClr val="lt1"/>
+                </a:solidFill>
+                <a:latin typeface="+mn-lt"/>
+                <a:ea typeface="+mn-ea"/>
+                <a:cs typeface="+mn-cs"/>
+              </a:defRPr>
+            </a:lvl4pPr>
+            <a:lvl5pPr marL="1828800" algn="l" defTabSz="914400" rtl="0" eaLnBrk="1" latinLnBrk="0" hangingPunct="1">
+              <a:defRPr sz="1800" kern="1200">
+                <a:solidFill>
+                  <a:schemeClr val="lt1"/>
+                </a:solidFill>
+                <a:latin typeface="+mn-lt"/>
+                <a:ea typeface="+mn-ea"/>
+                <a:cs typeface="+mn-cs"/>
+              </a:defRPr>
+            </a:lvl5pPr>
+            <a:lvl6pPr marL="2286000" algn="l" defTabSz="914400" rtl="0" eaLnBrk="1" latinLnBrk="0" hangingPunct="1">
+              <a:defRPr sz="1800" kern="1200">
+                <a:solidFill>
+                  <a:schemeClr val="lt1"/>
+                </a:solidFill>
+                <a:latin typeface="+mn-lt"/>
+                <a:ea typeface="+mn-ea"/>
+                <a:cs typeface="+mn-cs"/>
+              </a:defRPr>
+            </a:lvl6pPr>
+            <a:lvl7pPr marL="2743200" algn="l" defTabSz="914400" rtl="0" eaLnBrk="1" latinLnBrk="0" hangingPunct="1">
+              <a:defRPr sz="1800" kern="1200">
+                <a:solidFill>
+                  <a:schemeClr val="lt1"/>
+                </a:solidFill>
+                <a:latin typeface="+mn-lt"/>
+                <a:ea typeface="+mn-ea"/>
+                <a:cs typeface="+mn-cs"/>
+              </a:defRPr>
+            </a:lvl7pPr>
+            <a:lvl8pPr marL="3200400" algn="l" defTabSz="914400" rtl="0" eaLnBrk="1" latinLnBrk="0" hangingPunct="1">
+              <a:defRPr sz="1800" kern="1200">
+                <a:solidFill>
+                  <a:schemeClr val="lt1"/>
+                </a:solidFill>
+                <a:latin typeface="+mn-lt"/>
+                <a:ea typeface="+mn-ea"/>
+                <a:cs typeface="+mn-cs"/>
+              </a:defRPr>
+            </a:lvl8pPr>
+            <a:lvl9pPr marL="3657600" algn="l" defTabSz="914400" rtl="0" eaLnBrk="1" latinLnBrk="0" hangingPunct="1">
+              <a:defRPr sz="1800" kern="1200">
+                <a:solidFill>
+                  <a:schemeClr val="lt1"/>
+                </a:solidFill>
+                <a:latin typeface="+mn-lt"/>
+                <a:ea typeface="+mn-ea"/>
+                <a:cs typeface="+mn-cs"/>
+              </a:defRPr>
+            </a:lvl9pPr>
+          </a:lstStyle>
+          <a:p>
+            <a:pPr algn="ctr"/>
+            <a:endParaRPr lang="en-US"/>
+          </a:p>
+        </p:txBody>
+      </p:sp>
+      <p:sp>
+        <p:nvSpPr>
+          <p:cNvPr id="25" name="Rectangle 13"/>
+          <p:cNvSpPr>
+            <a:spLocks noGrp="1" noRot="1" noChangeAspect="1" noMove="1" noResize="1" noEditPoints="1" noAdjustHandles="1" noChangeArrowheads="1" noChangeShapeType="1" noTextEdit="1"/>
+          </p:cNvSpPr>
+          <p:nvPr>
+            <p:extLst>
+              <p:ext uri="{386F3935-93C4-4BCD-93E2-E3B085C9AB24}">
+                <p16:designElem xmlns:p16="http://schemas.microsoft.com/office/powerpoint/2015/main" val="1"/>
+              </p:ext>
+            </p:extLst>
+          </p:nvPr>
+        </p:nvSpPr>
+        <p:spPr>
+          <a:xfrm>
+            <a:off x="4038601" y="643467"/>
+            <a:ext cx="7391400" cy="5564920"/>
+          </a:xfrm>
+          <a:prstGeom prst="rect">
+            <a:avLst/>
+          </a:prstGeom>
+          <a:solidFill>
+            <a:schemeClr val="bg1"/>
+          </a:solidFill>
+          <a:ln>
+            <a:noFill/>
+          </a:ln>
+        </p:spPr>
+        <p:style>
+          <a:lnRef idx="2">
+            <a:schemeClr val="accent1">
+              <a:shade val="50000"/>
+            </a:schemeClr>
+          </a:lnRef>
+          <a:fillRef idx="1">
+            <a:schemeClr val="accent1"/>
+          </a:fillRef>
+          <a:effectRef idx="0">
+            <a:schemeClr val="accent1"/>
+          </a:effectRef>
+          <a:fontRef idx="minor">
+            <a:schemeClr val="lt1"/>
+          </a:fontRef>
+        </p:style>
+        <p:txBody>
+          <a:bodyPr rtlCol="0" anchor="ctr"/>
+          <a:lstStyle/>
+          <a:p>
+            <a:pPr algn="ctr"/>
+            <a:endParaRPr lang="en-US"/>
+          </a:p>
+        </p:txBody>
+      </p:sp>
       <p:pic>
         <p:nvPicPr>
-          <p:cNvPr id="3" name="Picture 2"/>
+          <p:cNvPr id="26" name="Content Placeholder 5"/>
           <p:cNvPicPr>
             <a:picLocks noChangeAspect="1"/>
           </p:cNvPicPr>
@@ -11112,90 +12188,116 @@
         </p:blipFill>
         <p:spPr>
           <a:xfrm>
-            <a:off x="1745868" y="0"/>
-            <a:ext cx="4144613" cy="2780731"/>
+            <a:off x="4711748" y="2772888"/>
+            <a:ext cx="6074784" cy="1306077"/>
           </a:xfrm>
           <a:prstGeom prst="rect">
             <a:avLst/>
           </a:prstGeom>
         </p:spPr>
       </p:pic>
-      <p:pic>
-        <p:nvPicPr>
-          <p:cNvPr id="5" name="Picture 4"/>
-          <p:cNvPicPr>
-            <a:picLocks noChangeAspect="1"/>
-          </p:cNvPicPr>
-          <p:nvPr/>
-        </p:nvPicPr>
-        <p:blipFill>
-          <a:blip r:embed="rId3"/>
-          <a:stretch>
-            <a:fillRect/>
-          </a:stretch>
-        </p:blipFill>
+      <p:sp>
+        <p:nvSpPr>
+          <p:cNvPr id="27" name="Rectangle 15" title="left edge border"/>
+          <p:cNvSpPr>
+            <a:spLocks noGrp="1" noRot="1" noChangeAspect="1" noMove="1" noResize="1" noEditPoints="1" noAdjustHandles="1" noChangeArrowheads="1" noChangeShapeType="1" noTextEdit="1"/>
+          </p:cNvSpPr>
+          <p:nvPr>
+            <p:extLst>
+              <p:ext uri="{386F3935-93C4-4BCD-93E2-E3B085C9AB24}">
+                <p16:designElem xmlns:p16="http://schemas.microsoft.com/office/powerpoint/2015/main" val="1"/>
+              </p:ext>
+            </p:extLst>
+          </p:nvPr>
+        </p:nvSpPr>
         <p:spPr>
           <a:xfrm>
-            <a:off x="1335012" y="3088446"/>
-            <a:ext cx="4144613" cy="2771903"/>
+            <a:off x="0" y="0"/>
+            <a:ext cx="283464" cy="6858000"/>
           </a:xfrm>
           <a:prstGeom prst="rect">
             <a:avLst/>
           </a:prstGeom>
+          <a:solidFill>
+            <a:schemeClr val="accent1"/>
+          </a:solidFill>
+          <a:ln>
+            <a:noFill/>
+          </a:ln>
         </p:spPr>
-      </p:pic>
-      <p:pic>
-        <p:nvPicPr>
-          <p:cNvPr id="7" name="Picture 6"/>
-          <p:cNvPicPr>
-            <a:picLocks noChangeAspect="1"/>
-          </p:cNvPicPr>
-          <p:nvPr/>
-        </p:nvPicPr>
-        <p:blipFill>
-          <a:blip r:embed="rId4"/>
-          <a:stretch>
-            <a:fillRect/>
-          </a:stretch>
-        </p:blipFill>
+        <p:style>
+          <a:lnRef idx="2">
+            <a:schemeClr val="accent1">
+              <a:shade val="50000"/>
+            </a:schemeClr>
+          </a:lnRef>
+          <a:fillRef idx="1">
+            <a:schemeClr val="accent1"/>
+          </a:fillRef>
+          <a:effectRef idx="0">
+            <a:schemeClr val="accent1"/>
+          </a:effectRef>
+          <a:fontRef idx="minor">
+            <a:schemeClr val="lt1"/>
+          </a:fontRef>
+        </p:style>
+      </p:sp>
+      <p:sp>
+        <p:nvSpPr>
+          <p:cNvPr id="2" name="Title 1"/>
+          <p:cNvSpPr>
+            <a:spLocks noGrp="1"/>
+          </p:cNvSpPr>
+          <p:nvPr>
+            <p:ph type="title"/>
+          </p:nvPr>
+        </p:nvSpPr>
         <p:spPr>
           <a:xfrm>
-            <a:off x="6960803" y="3453397"/>
-            <a:ext cx="4140199" cy="2776317"/>
+            <a:off x="605197" y="382385"/>
+            <a:ext cx="3111669" cy="899780"/>
           </a:xfrm>
-          <a:prstGeom prst="rect">
-            <a:avLst/>
-          </a:prstGeom>
         </p:spPr>
-      </p:pic>
-      <p:pic>
-        <p:nvPicPr>
-          <p:cNvPr id="9" name="Picture 8"/>
-          <p:cNvPicPr>
-            <a:picLocks noChangeAspect="1"/>
-          </p:cNvPicPr>
-          <p:nvPr/>
-        </p:nvPicPr>
-        <p:blipFill>
-          <a:blip r:embed="rId5"/>
-          <a:stretch>
-            <a:fillRect/>
-          </a:stretch>
-        </p:blipFill>
+        <p:txBody>
+          <a:bodyPr anchor="b">
+            <a:normAutofit/>
+          </a:bodyPr>
+          <a:lstStyle/>
+          <a:p>
+            <a:endParaRPr lang="en-US" sz="2000"/>
+          </a:p>
+        </p:txBody>
+      </p:sp>
+      <p:sp>
+        <p:nvSpPr>
+          <p:cNvPr id="28" name="Content Placeholder 7"/>
+          <p:cNvSpPr>
+            <a:spLocks noGrp="1"/>
+          </p:cNvSpPr>
+          <p:nvPr>
+            <p:ph idx="1"/>
+          </p:nvPr>
+        </p:nvSpPr>
         <p:spPr>
           <a:xfrm>
-            <a:off x="6711884" y="244030"/>
-            <a:ext cx="4144613" cy="2771903"/>
+            <a:off x="605197" y="1613434"/>
+            <a:ext cx="3111668" cy="4594953"/>
           </a:xfrm>
-          <a:prstGeom prst="rect">
-            <a:avLst/>
-          </a:prstGeom>
         </p:spPr>
-      </p:pic>
+        <p:txBody>
+          <a:bodyPr>
+            <a:normAutofit/>
+          </a:bodyPr>
+          <a:lstStyle/>
+          <a:p>
+            <a:endParaRPr lang="en-US" sz="1600"/>
+          </a:p>
+        </p:txBody>
+      </p:sp>
     </p:spTree>
     <p:extLst>
       <p:ext uri="{BB962C8B-B14F-4D97-AF65-F5344CB8AC3E}">
-        <p14:creationId xmlns:p14="http://schemas.microsoft.com/office/powerpoint/2010/main" val="771805425"/>
+        <p14:creationId xmlns:p14="http://schemas.microsoft.com/office/powerpoint/2010/main" val="289704439"/>
       </p:ext>
     </p:extLst>
   </p:cSld>
@@ -11224,7 +12326,31 @@
       </p:grpSpPr>
       <p:pic>
         <p:nvPicPr>
-          <p:cNvPr id="17" name="Picture 16"/>
+          <p:cNvPr id="49" name="Content Placeholder 21"/>
+          <p:cNvPicPr>
+            <a:picLocks noChangeAspect="1"/>
+          </p:cNvPicPr>
+          <p:nvPr/>
+        </p:nvPicPr>
+        <p:blipFill>
+          <a:blip r:embed="rId2"/>
+          <a:stretch>
+            <a:fillRect/>
+          </a:stretch>
+        </p:blipFill>
+        <p:spPr>
+          <a:xfrm>
+            <a:off x="1251678" y="2350182"/>
+            <a:ext cx="4190998" cy="951330"/>
+          </a:xfrm>
+          <a:prstGeom prst="rect">
+            <a:avLst/>
+          </a:prstGeom>
+        </p:spPr>
+      </p:pic>
+      <p:pic>
+        <p:nvPicPr>
+          <p:cNvPr id="46" name="Content Placeholder 5"/>
           <p:cNvPicPr>
             <a:picLocks noChangeAspect="1"/>
           </p:cNvPicPr>
@@ -11238,18 +12364,44 @@
         </p:blipFill>
         <p:spPr>
           <a:xfrm>
-            <a:off x="1619809" y="433762"/>
-            <a:ext cx="8952381" cy="5990476"/>
+            <a:off x="1251678" y="3237331"/>
+            <a:ext cx="6588046" cy="1416429"/>
           </a:xfrm>
           <a:prstGeom prst="rect">
             <a:avLst/>
           </a:prstGeom>
         </p:spPr>
       </p:pic>
+      <p:sp>
+        <p:nvSpPr>
+          <p:cNvPr id="2" name="Title 1"/>
+          <p:cNvSpPr>
+            <a:spLocks noGrp="1"/>
+          </p:cNvSpPr>
+          <p:nvPr>
+            <p:ph type="title"/>
+          </p:nvPr>
+        </p:nvSpPr>
+        <p:spPr>
+          <a:xfrm>
+            <a:off x="1251678" y="382385"/>
+            <a:ext cx="10178322" cy="1492132"/>
+          </a:xfrm>
+        </p:spPr>
+        <p:txBody>
+          <a:bodyPr>
+            <a:normAutofit/>
+          </a:bodyPr>
+          <a:lstStyle/>
+          <a:p>
+            <a:endParaRPr lang="en-US"/>
+          </a:p>
+        </p:txBody>
+      </p:sp>
     </p:spTree>
     <p:extLst>
       <p:ext uri="{BB962C8B-B14F-4D97-AF65-F5344CB8AC3E}">
-        <p14:creationId xmlns:p14="http://schemas.microsoft.com/office/powerpoint/2010/main" val="3258182740"/>
+        <p14:creationId xmlns:p14="http://schemas.microsoft.com/office/powerpoint/2010/main" val="1851926493"/>
       </p:ext>
     </p:extLst>
   </p:cSld>

--- a/Presentation.pptx
+++ b/Presentation.pptx
@@ -5,7 +5,7 @@
     <p:sldMasterId id="2147483648" r:id="rId1"/>
   </p:sldMasterIdLst>
   <p:notesMasterIdLst>
-    <p:notesMasterId r:id="rId17"/>
+    <p:notesMasterId r:id="rId15"/>
   </p:notesMasterIdLst>
   <p:sldIdLst>
     <p:sldId id="256" r:id="rId2"/>
@@ -15,14 +15,12 @@
     <p:sldId id="266" r:id="rId6"/>
     <p:sldId id="278" r:id="rId7"/>
     <p:sldId id="280" r:id="rId8"/>
-    <p:sldId id="281" r:id="rId9"/>
-    <p:sldId id="279" r:id="rId10"/>
-    <p:sldId id="275" r:id="rId11"/>
-    <p:sldId id="276" r:id="rId12"/>
-    <p:sldId id="277" r:id="rId13"/>
-    <p:sldId id="268" r:id="rId14"/>
-    <p:sldId id="269" r:id="rId15"/>
-    <p:sldId id="265" r:id="rId16"/>
+    <p:sldId id="275" r:id="rId9"/>
+    <p:sldId id="276" r:id="rId10"/>
+    <p:sldId id="277" r:id="rId11"/>
+    <p:sldId id="268" r:id="rId12"/>
+    <p:sldId id="269" r:id="rId13"/>
+    <p:sldId id="265" r:id="rId14"/>
   </p:sldIdLst>
   <p:sldSz cx="12192000" cy="6858000"/>
   <p:notesSz cx="6858000" cy="9144000"/>
@@ -627,7 +625,7 @@
           <a:p>
             <a:fld id="{6F0D8589-F2A0-4BED-9BCA-E39C01468825}" type="slidenum">
               <a:rPr lang="en-US"/>
-              <a:t>13</a:t>
+              <a:t>11</a:t>
             </a:fld>
             <a:endParaRPr lang="en-US"/>
           </a:p>
@@ -711,7 +709,7 @@
           <a:p>
             <a:fld id="{6F0D8589-F2A0-4BED-9BCA-E39C01468825}" type="slidenum">
               <a:rPr lang="en-US"/>
-              <a:t>14</a:t>
+              <a:t>12</a:t>
             </a:fld>
             <a:endParaRPr lang="en-US"/>
           </a:p>
@@ -795,7 +793,7 @@
           <a:p>
             <a:fld id="{6F0D8589-F2A0-4BED-9BCA-E39C01468825}" type="slidenum">
               <a:rPr lang="en-US"/>
-              <a:t>15</a:t>
+              <a:t>13</a:t>
             </a:fld>
             <a:endParaRPr lang="en-US"/>
           </a:p>
@@ -7615,7 +7613,7 @@
       </p:grpSpPr>
       <p:pic>
         <p:nvPicPr>
-          <p:cNvPr id="10" name="Picture 9"/>
+          <p:cNvPr id="8" name="Picture 7"/>
           <p:cNvPicPr>
             <a:picLocks noChangeAspect="1"/>
           </p:cNvPicPr>
@@ -7629,8 +7627,8 @@
         </p:blipFill>
         <p:spPr>
           <a:xfrm>
-            <a:off x="1517770" y="535021"/>
-            <a:ext cx="3978081" cy="2654872"/>
+            <a:off x="1653143" y="370291"/>
+            <a:ext cx="4632106" cy="3083106"/>
           </a:xfrm>
           <a:prstGeom prst="rect">
             <a:avLst/>
@@ -7639,7 +7637,7 @@
       </p:pic>
       <p:pic>
         <p:nvPicPr>
-          <p:cNvPr id="12" name="Picture 11"/>
+          <p:cNvPr id="13" name="Picture 12"/>
           <p:cNvPicPr>
             <a:picLocks noChangeAspect="1"/>
           </p:cNvPicPr>
@@ -7653,8 +7651,8 @@
         </p:blipFill>
         <p:spPr>
           <a:xfrm>
-            <a:off x="1517770" y="3571113"/>
-            <a:ext cx="3978081" cy="2973636"/>
+            <a:off x="6891739" y="501524"/>
+            <a:ext cx="4258343" cy="2820639"/>
           </a:xfrm>
           <a:prstGeom prst="rect">
             <a:avLst/>
@@ -7663,7 +7661,7 @@
       </p:pic>
       <p:pic>
         <p:nvPicPr>
-          <p:cNvPr id="16" name="Picture 15"/>
+          <p:cNvPr id="17" name="Picture 16"/>
           <p:cNvPicPr>
             <a:picLocks noChangeAspect="1"/>
           </p:cNvPicPr>
@@ -7677,8 +7675,8 @@
         </p:blipFill>
         <p:spPr>
           <a:xfrm>
-            <a:off x="6171473" y="535020"/>
-            <a:ext cx="4418107" cy="2654873"/>
+            <a:off x="1653143" y="4152122"/>
+            <a:ext cx="3358173" cy="2238782"/>
           </a:xfrm>
           <a:prstGeom prst="rect">
             <a:avLst/>
@@ -7687,7 +7685,7 @@
       </p:pic>
       <p:pic>
         <p:nvPicPr>
-          <p:cNvPr id="20" name="Picture 19"/>
+          <p:cNvPr id="19" name="Picture 18"/>
           <p:cNvPicPr>
             <a:picLocks noChangeAspect="1"/>
           </p:cNvPicPr>
@@ -7701,8 +7699,8 @@
         </p:blipFill>
         <p:spPr>
           <a:xfrm>
-            <a:off x="6171473" y="3571113"/>
-            <a:ext cx="4418107" cy="2950110"/>
+            <a:off x="6108607" y="3511200"/>
+            <a:ext cx="3921801" cy="2608923"/>
           </a:xfrm>
           <a:prstGeom prst="rect">
             <a:avLst/>
@@ -7712,7 +7710,7 @@
     </p:spTree>
     <p:extLst>
       <p:ext uri="{BB962C8B-B14F-4D97-AF65-F5344CB8AC3E}">
-        <p14:creationId xmlns:p14="http://schemas.microsoft.com/office/powerpoint/2010/main" val="893799103"/>
+        <p14:creationId xmlns:p14="http://schemas.microsoft.com/office/powerpoint/2010/main" val="771805425"/>
       </p:ext>
     </p:extLst>
   </p:cSld>
@@ -7741,31 +7739,7 @@
       </p:grpSpPr>
       <p:pic>
         <p:nvPicPr>
-          <p:cNvPr id="5" name="Picture 4"/>
-          <p:cNvPicPr>
-            <a:picLocks noChangeAspect="1"/>
-          </p:cNvPicPr>
-          <p:nvPr/>
-        </p:nvPicPr>
-        <p:blipFill>
-          <a:blip r:embed="rId2"/>
-          <a:stretch>
-            <a:fillRect/>
-          </a:stretch>
-        </p:blipFill>
-        <p:spPr>
-          <a:xfrm>
-            <a:off x="1512605" y="3896096"/>
-            <a:ext cx="4421666" cy="2961904"/>
-          </a:xfrm>
-          <a:prstGeom prst="rect">
-            <a:avLst/>
-          </a:prstGeom>
-        </p:spPr>
-      </p:pic>
-      <p:pic>
-        <p:nvPicPr>
-          <p:cNvPr id="7" name="Picture 6"/>
+          <p:cNvPr id="2" name="Picture 1"/>
           <p:cNvPicPr>
             <a:picLocks noChangeAspect="1"/>
           </p:cNvPicPr>
@@ -7779,236 +7753,8 @@
         </p:blipFill>
         <p:spPr>
           <a:xfrm>
-            <a:off x="1286548" y="135951"/>
-            <a:ext cx="5097714" cy="3420123"/>
-          </a:xfrm>
-          <a:prstGeom prst="rect">
-            <a:avLst/>
-          </a:prstGeom>
-        </p:spPr>
-      </p:pic>
-      <p:pic>
-        <p:nvPicPr>
-          <p:cNvPr id="9" name="Picture 8"/>
-          <p:cNvPicPr>
-            <a:picLocks noChangeAspect="1"/>
-          </p:cNvPicPr>
-          <p:nvPr/>
-        </p:nvPicPr>
-        <p:blipFill>
-          <a:blip r:embed="rId4"/>
-          <a:stretch>
-            <a:fillRect/>
-          </a:stretch>
-        </p:blipFill>
-        <p:spPr>
-          <a:xfrm>
-            <a:off x="6764694" y="3556074"/>
-            <a:ext cx="4695141" cy="3131759"/>
-          </a:xfrm>
-          <a:prstGeom prst="rect">
-            <a:avLst/>
-          </a:prstGeom>
-        </p:spPr>
-      </p:pic>
-      <p:pic>
-        <p:nvPicPr>
-          <p:cNvPr id="13" name="Picture 12"/>
-          <p:cNvPicPr>
-            <a:picLocks noChangeAspect="1"/>
-          </p:cNvPicPr>
-          <p:nvPr/>
-        </p:nvPicPr>
-        <p:blipFill>
-          <a:blip r:embed="rId5"/>
-          <a:stretch>
-            <a:fillRect/>
-          </a:stretch>
-        </p:blipFill>
-        <p:spPr>
-          <a:xfrm>
-            <a:off x="6993456" y="251996"/>
-            <a:ext cx="4769336" cy="3188032"/>
-          </a:xfrm>
-          <a:prstGeom prst="rect">
-            <a:avLst/>
-          </a:prstGeom>
-        </p:spPr>
-      </p:pic>
-    </p:spTree>
-    <p:extLst>
-      <p:ext uri="{BB962C8B-B14F-4D97-AF65-F5344CB8AC3E}">
-        <p14:creationId xmlns:p14="http://schemas.microsoft.com/office/powerpoint/2010/main" val="295758099"/>
-      </p:ext>
-    </p:extLst>
-  </p:cSld>
-  <p:clrMapOvr>
-    <a:masterClrMapping/>
-  </p:clrMapOvr>
-</p:sld>
-</file>
-
-<file path=ppt/slides/slide12.xml><?xml version="1.0" encoding="utf-8"?>
-<p:sld xmlns:a="http://schemas.openxmlformats.org/drawingml/2006/main" xmlns:r="http://schemas.openxmlformats.org/officeDocument/2006/relationships" xmlns:p="http://schemas.openxmlformats.org/presentationml/2006/main">
-  <p:cSld>
-    <p:spTree>
-      <p:nvGrpSpPr>
-        <p:cNvPr id="1" name=""/>
-        <p:cNvGrpSpPr/>
-        <p:nvPr/>
-      </p:nvGrpSpPr>
-      <p:grpSpPr>
-        <a:xfrm>
-          <a:off x="0" y="0"/>
-          <a:ext cx="0" cy="0"/>
-          <a:chOff x="0" y="0"/>
-          <a:chExt cx="0" cy="0"/>
-        </a:xfrm>
-      </p:grpSpPr>
-      <p:pic>
-        <p:nvPicPr>
-          <p:cNvPr id="3" name="Picture 2"/>
-          <p:cNvPicPr>
-            <a:picLocks noChangeAspect="1"/>
-          </p:cNvPicPr>
-          <p:nvPr/>
-        </p:nvPicPr>
-        <p:blipFill>
-          <a:blip r:embed="rId2"/>
-          <a:stretch>
-            <a:fillRect/>
-          </a:stretch>
-        </p:blipFill>
-        <p:spPr>
-          <a:xfrm>
-            <a:off x="1745868" y="0"/>
-            <a:ext cx="4144613" cy="2780731"/>
-          </a:xfrm>
-          <a:prstGeom prst="rect">
-            <a:avLst/>
-          </a:prstGeom>
-        </p:spPr>
-      </p:pic>
-      <p:pic>
-        <p:nvPicPr>
-          <p:cNvPr id="5" name="Picture 4"/>
-          <p:cNvPicPr>
-            <a:picLocks noChangeAspect="1"/>
-          </p:cNvPicPr>
-          <p:nvPr/>
-        </p:nvPicPr>
-        <p:blipFill>
-          <a:blip r:embed="rId3"/>
-          <a:stretch>
-            <a:fillRect/>
-          </a:stretch>
-        </p:blipFill>
-        <p:spPr>
-          <a:xfrm>
-            <a:off x="1335012" y="3088446"/>
-            <a:ext cx="4144613" cy="2771903"/>
-          </a:xfrm>
-          <a:prstGeom prst="rect">
-            <a:avLst/>
-          </a:prstGeom>
-        </p:spPr>
-      </p:pic>
-      <p:pic>
-        <p:nvPicPr>
-          <p:cNvPr id="7" name="Picture 6"/>
-          <p:cNvPicPr>
-            <a:picLocks noChangeAspect="1"/>
-          </p:cNvPicPr>
-          <p:nvPr/>
-        </p:nvPicPr>
-        <p:blipFill>
-          <a:blip r:embed="rId4"/>
-          <a:stretch>
-            <a:fillRect/>
-          </a:stretch>
-        </p:blipFill>
-        <p:spPr>
-          <a:xfrm>
-            <a:off x="6960803" y="3453397"/>
-            <a:ext cx="4140199" cy="2776317"/>
-          </a:xfrm>
-          <a:prstGeom prst="rect">
-            <a:avLst/>
-          </a:prstGeom>
-        </p:spPr>
-      </p:pic>
-      <p:pic>
-        <p:nvPicPr>
-          <p:cNvPr id="9" name="Picture 8"/>
-          <p:cNvPicPr>
-            <a:picLocks noChangeAspect="1"/>
-          </p:cNvPicPr>
-          <p:nvPr/>
-        </p:nvPicPr>
-        <p:blipFill>
-          <a:blip r:embed="rId5"/>
-          <a:stretch>
-            <a:fillRect/>
-          </a:stretch>
-        </p:blipFill>
-        <p:spPr>
-          <a:xfrm>
-            <a:off x="6711884" y="244030"/>
-            <a:ext cx="4144613" cy="2771903"/>
-          </a:xfrm>
-          <a:prstGeom prst="rect">
-            <a:avLst/>
-          </a:prstGeom>
-        </p:spPr>
-      </p:pic>
-    </p:spTree>
-    <p:extLst>
-      <p:ext uri="{BB962C8B-B14F-4D97-AF65-F5344CB8AC3E}">
-        <p14:creationId xmlns:p14="http://schemas.microsoft.com/office/powerpoint/2010/main" val="771805425"/>
-      </p:ext>
-    </p:extLst>
-  </p:cSld>
-  <p:clrMapOvr>
-    <a:masterClrMapping/>
-  </p:clrMapOvr>
-</p:sld>
-</file>
-
-<file path=ppt/slides/slide13.xml><?xml version="1.0" encoding="utf-8"?>
-<p:sld xmlns:a="http://schemas.openxmlformats.org/drawingml/2006/main" xmlns:r="http://schemas.openxmlformats.org/officeDocument/2006/relationships" xmlns:p="http://schemas.openxmlformats.org/presentationml/2006/main">
-  <p:cSld>
-    <p:spTree>
-      <p:nvGrpSpPr>
-        <p:cNvPr id="1" name=""/>
-        <p:cNvGrpSpPr/>
-        <p:nvPr/>
-      </p:nvGrpSpPr>
-      <p:grpSpPr>
-        <a:xfrm>
-          <a:off x="0" y="0"/>
-          <a:ext cx="0" cy="0"/>
-          <a:chOff x="0" y="0"/>
-          <a:chExt cx="0" cy="0"/>
-        </a:xfrm>
-      </p:grpSpPr>
-      <p:pic>
-        <p:nvPicPr>
-          <p:cNvPr id="17" name="Picture 16"/>
-          <p:cNvPicPr>
-            <a:picLocks noChangeAspect="1"/>
-          </p:cNvPicPr>
-          <p:nvPr/>
-        </p:nvPicPr>
-        <p:blipFill>
-          <a:blip r:embed="rId3"/>
-          <a:stretch>
-            <a:fillRect/>
-          </a:stretch>
-        </p:blipFill>
-        <p:spPr>
-          <a:xfrm>
-            <a:off x="1619809" y="433762"/>
-            <a:ext cx="8952381" cy="5990476"/>
+            <a:off x="2552393" y="1066595"/>
+            <a:ext cx="7087214" cy="4724809"/>
           </a:xfrm>
           <a:prstGeom prst="rect">
             <a:avLst/>
@@ -8028,7 +7774,7 @@
 </p:sld>
 </file>
 
-<file path=ppt/slides/slide14.xml><?xml version="1.0" encoding="utf-8"?>
+<file path=ppt/slides/slide12.xml><?xml version="1.0" encoding="utf-8"?>
 <p:sld xmlns:a="http://schemas.openxmlformats.org/drawingml/2006/main" xmlns:r="http://schemas.openxmlformats.org/officeDocument/2006/relationships" xmlns:p="http://schemas.openxmlformats.org/presentationml/2006/main">
   <p:cSld>
     <p:spTree>
@@ -8259,7 +8005,7 @@
 </p:sld>
 </file>
 
-<file path=ppt/slides/slide15.xml><?xml version="1.0" encoding="utf-8"?>
+<file path=ppt/slides/slide13.xml><?xml version="1.0" encoding="utf-8"?>
 <p:sld xmlns:a="http://schemas.openxmlformats.org/drawingml/2006/main" xmlns:r="http://schemas.openxmlformats.org/officeDocument/2006/relationships" xmlns:p="http://schemas.openxmlformats.org/presentationml/2006/main">
   <p:cSld>
     <p:spTree>
@@ -9994,8 +9740,8 @@
           </a:p>
         </p:txBody>
       </p:sp>
-      <mc:AlternateContent xmlns:mc="http://schemas.openxmlformats.org/markup-compatibility/2006">
-        <mc:Choice xmlns:a14="http://schemas.microsoft.com/office/drawing/2010/main" Requires="a14">
+      <mc:AlternateContent xmlns:mc="http://schemas.openxmlformats.org/markup-compatibility/2006" xmlns:a14="http://schemas.microsoft.com/office/drawing/2010/main">
+        <mc:Choice Requires="a14">
           <p:sp>
             <p:nvSpPr>
               <p:cNvPr id="6" name="文本框 5"/>
@@ -10060,7 +9806,7 @@
             </p:txBody>
           </p:sp>
         </mc:Choice>
-        <mc:Fallback>
+        <mc:Fallback xmlns="">
           <p:sp>
             <p:nvSpPr>
               <p:cNvPr id="6" name="文本框 5"/>
@@ -11917,7 +11663,7 @@
       </p:sp>
       <p:pic>
         <p:nvPicPr>
-          <p:cNvPr id="15" name="Content Placeholder 14"/>
+          <p:cNvPr id="8" name="Content Placeholder 7"/>
           <p:cNvPicPr>
             <a:picLocks noGrp="1" noChangeAspect="1"/>
           </p:cNvPicPr>
@@ -11933,8 +11679,8 @@
         </p:blipFill>
         <p:spPr>
           <a:xfrm>
-            <a:off x="310277" y="2631232"/>
-            <a:ext cx="3701507" cy="3567993"/>
+            <a:off x="330726" y="2230016"/>
+            <a:ext cx="3742528" cy="3964250"/>
           </a:xfrm>
         </p:spPr>
       </p:pic>
@@ -11968,213 +11714,9 @@
           <a:chExt cx="0" cy="0"/>
         </a:xfrm>
       </p:grpSpPr>
-      <p:sp useBgFill="1">
-        <p:nvSpPr>
-          <p:cNvPr id="24" name="Rectangle 11"/>
-          <p:cNvSpPr>
-            <a:spLocks noGrp="1" noRot="1" noChangeAspect="1" noMove="1" noResize="1" noEditPoints="1" noAdjustHandles="1" noChangeArrowheads="1" noChangeShapeType="1" noTextEdit="1"/>
-          </p:cNvSpPr>
-          <p:nvPr>
-            <p:extLst>
-              <p:ext uri="{386F3935-93C4-4BCD-93E2-E3B085C9AB24}">
-                <p16:designElem xmlns:p16="http://schemas.microsoft.com/office/powerpoint/2015/main" val="1"/>
-              </p:ext>
-            </p:extLst>
-          </p:nvPr>
-        </p:nvSpPr>
-        <p:spPr bwMode="white">
-          <a:xfrm>
-            <a:off x="0" y="0"/>
-            <a:ext cx="12192000" cy="6858000"/>
-          </a:xfrm>
-          <a:prstGeom prst="rect">
-            <a:avLst/>
-          </a:prstGeom>
-          <a:ln>
-            <a:noFill/>
-          </a:ln>
-        </p:spPr>
-        <p:style>
-          <a:lnRef idx="2">
-            <a:schemeClr val="accent1">
-              <a:shade val="50000"/>
-            </a:schemeClr>
-          </a:lnRef>
-          <a:fillRef idx="1">
-            <a:schemeClr val="accent1"/>
-          </a:fillRef>
-          <a:effectRef idx="0">
-            <a:schemeClr val="accent1"/>
-          </a:effectRef>
-          <a:fontRef idx="minor">
-            <a:schemeClr val="lt1"/>
-          </a:fontRef>
-        </p:style>
-        <p:txBody>
-          <a:bodyPr rot="0" spcFirstLastPara="0" vert="horz" wrap="square" lIns="91440" tIns="45720" rIns="91440" bIns="45720" numCol="1" spcCol="0" rtlCol="0" fromWordArt="0" anchor="ctr" anchorCtr="0" forceAA="0" compatLnSpc="1">
-            <a:prstTxWarp prst="textNoShape">
-              <a:avLst/>
-            </a:prstTxWarp>
-            <a:noAutofit/>
-          </a:bodyPr>
-          <a:lstStyle>
-            <a:defPPr>
-              <a:defRPr lang="en-US"/>
-            </a:defPPr>
-            <a:lvl1pPr marL="0" algn="l" defTabSz="914400" rtl="0" eaLnBrk="1" latinLnBrk="0" hangingPunct="1">
-              <a:defRPr sz="1800" kern="1200">
-                <a:solidFill>
-                  <a:schemeClr val="lt1"/>
-                </a:solidFill>
-                <a:latin typeface="+mn-lt"/>
-                <a:ea typeface="+mn-ea"/>
-                <a:cs typeface="+mn-cs"/>
-              </a:defRPr>
-            </a:lvl1pPr>
-            <a:lvl2pPr marL="457200" algn="l" defTabSz="914400" rtl="0" eaLnBrk="1" latinLnBrk="0" hangingPunct="1">
-              <a:defRPr sz="1800" kern="1200">
-                <a:solidFill>
-                  <a:schemeClr val="lt1"/>
-                </a:solidFill>
-                <a:latin typeface="+mn-lt"/>
-                <a:ea typeface="+mn-ea"/>
-                <a:cs typeface="+mn-cs"/>
-              </a:defRPr>
-            </a:lvl2pPr>
-            <a:lvl3pPr marL="914400" algn="l" defTabSz="914400" rtl="0" eaLnBrk="1" latinLnBrk="0" hangingPunct="1">
-              <a:defRPr sz="1800" kern="1200">
-                <a:solidFill>
-                  <a:schemeClr val="lt1"/>
-                </a:solidFill>
-                <a:latin typeface="+mn-lt"/>
-                <a:ea typeface="+mn-ea"/>
-                <a:cs typeface="+mn-cs"/>
-              </a:defRPr>
-            </a:lvl3pPr>
-            <a:lvl4pPr marL="1371600" algn="l" defTabSz="914400" rtl="0" eaLnBrk="1" latinLnBrk="0" hangingPunct="1">
-              <a:defRPr sz="1800" kern="1200">
-                <a:solidFill>
-                  <a:schemeClr val="lt1"/>
-                </a:solidFill>
-                <a:latin typeface="+mn-lt"/>
-                <a:ea typeface="+mn-ea"/>
-                <a:cs typeface="+mn-cs"/>
-              </a:defRPr>
-            </a:lvl4pPr>
-            <a:lvl5pPr marL="1828800" algn="l" defTabSz="914400" rtl="0" eaLnBrk="1" latinLnBrk="0" hangingPunct="1">
-              <a:defRPr sz="1800" kern="1200">
-                <a:solidFill>
-                  <a:schemeClr val="lt1"/>
-                </a:solidFill>
-                <a:latin typeface="+mn-lt"/>
-                <a:ea typeface="+mn-ea"/>
-                <a:cs typeface="+mn-cs"/>
-              </a:defRPr>
-            </a:lvl5pPr>
-            <a:lvl6pPr marL="2286000" algn="l" defTabSz="914400" rtl="0" eaLnBrk="1" latinLnBrk="0" hangingPunct="1">
-              <a:defRPr sz="1800" kern="1200">
-                <a:solidFill>
-                  <a:schemeClr val="lt1"/>
-                </a:solidFill>
-                <a:latin typeface="+mn-lt"/>
-                <a:ea typeface="+mn-ea"/>
-                <a:cs typeface="+mn-cs"/>
-              </a:defRPr>
-            </a:lvl6pPr>
-            <a:lvl7pPr marL="2743200" algn="l" defTabSz="914400" rtl="0" eaLnBrk="1" latinLnBrk="0" hangingPunct="1">
-              <a:defRPr sz="1800" kern="1200">
-                <a:solidFill>
-                  <a:schemeClr val="lt1"/>
-                </a:solidFill>
-                <a:latin typeface="+mn-lt"/>
-                <a:ea typeface="+mn-ea"/>
-                <a:cs typeface="+mn-cs"/>
-              </a:defRPr>
-            </a:lvl7pPr>
-            <a:lvl8pPr marL="3200400" algn="l" defTabSz="914400" rtl="0" eaLnBrk="1" latinLnBrk="0" hangingPunct="1">
-              <a:defRPr sz="1800" kern="1200">
-                <a:solidFill>
-                  <a:schemeClr val="lt1"/>
-                </a:solidFill>
-                <a:latin typeface="+mn-lt"/>
-                <a:ea typeface="+mn-ea"/>
-                <a:cs typeface="+mn-cs"/>
-              </a:defRPr>
-            </a:lvl8pPr>
-            <a:lvl9pPr marL="3657600" algn="l" defTabSz="914400" rtl="0" eaLnBrk="1" latinLnBrk="0" hangingPunct="1">
-              <a:defRPr sz="1800" kern="1200">
-                <a:solidFill>
-                  <a:schemeClr val="lt1"/>
-                </a:solidFill>
-                <a:latin typeface="+mn-lt"/>
-                <a:ea typeface="+mn-ea"/>
-                <a:cs typeface="+mn-cs"/>
-              </a:defRPr>
-            </a:lvl9pPr>
-          </a:lstStyle>
-          <a:p>
-            <a:pPr algn="ctr"/>
-            <a:endParaRPr lang="en-US"/>
-          </a:p>
-        </p:txBody>
-      </p:sp>
-      <p:sp>
-        <p:nvSpPr>
-          <p:cNvPr id="25" name="Rectangle 13"/>
-          <p:cNvSpPr>
-            <a:spLocks noGrp="1" noRot="1" noChangeAspect="1" noMove="1" noResize="1" noEditPoints="1" noAdjustHandles="1" noChangeArrowheads="1" noChangeShapeType="1" noTextEdit="1"/>
-          </p:cNvSpPr>
-          <p:nvPr>
-            <p:extLst>
-              <p:ext uri="{386F3935-93C4-4BCD-93E2-E3B085C9AB24}">
-                <p16:designElem xmlns:p16="http://schemas.microsoft.com/office/powerpoint/2015/main" val="1"/>
-              </p:ext>
-            </p:extLst>
-          </p:nvPr>
-        </p:nvSpPr>
-        <p:spPr>
-          <a:xfrm>
-            <a:off x="4038601" y="643467"/>
-            <a:ext cx="7391400" cy="5564920"/>
-          </a:xfrm>
-          <a:prstGeom prst="rect">
-            <a:avLst/>
-          </a:prstGeom>
-          <a:solidFill>
-            <a:schemeClr val="bg1"/>
-          </a:solidFill>
-          <a:ln>
-            <a:noFill/>
-          </a:ln>
-        </p:spPr>
-        <p:style>
-          <a:lnRef idx="2">
-            <a:schemeClr val="accent1">
-              <a:shade val="50000"/>
-            </a:schemeClr>
-          </a:lnRef>
-          <a:fillRef idx="1">
-            <a:schemeClr val="accent1"/>
-          </a:fillRef>
-          <a:effectRef idx="0">
-            <a:schemeClr val="accent1"/>
-          </a:effectRef>
-          <a:fontRef idx="minor">
-            <a:schemeClr val="lt1"/>
-          </a:fontRef>
-        </p:style>
-        <p:txBody>
-          <a:bodyPr rtlCol="0" anchor="ctr"/>
-          <a:lstStyle/>
-          <a:p>
-            <a:pPr algn="ctr"/>
-            <a:endParaRPr lang="en-US"/>
-          </a:p>
-        </p:txBody>
-      </p:sp>
       <p:pic>
         <p:nvPicPr>
-          <p:cNvPr id="26" name="Content Placeholder 5"/>
+          <p:cNvPr id="3" name="Picture 2"/>
           <p:cNvPicPr>
             <a:picLocks noChangeAspect="1"/>
           </p:cNvPicPr>
@@ -12188,116 +11730,90 @@
         </p:blipFill>
         <p:spPr>
           <a:xfrm>
-            <a:off x="4711748" y="2772888"/>
-            <a:ext cx="6074784" cy="1306077"/>
+            <a:off x="1034821" y="0"/>
+            <a:ext cx="4943977" cy="3286887"/>
           </a:xfrm>
           <a:prstGeom prst="rect">
             <a:avLst/>
           </a:prstGeom>
         </p:spPr>
       </p:pic>
-      <p:sp>
-        <p:nvSpPr>
-          <p:cNvPr id="27" name="Rectangle 15" title="left edge border"/>
-          <p:cNvSpPr>
-            <a:spLocks noGrp="1" noRot="1" noChangeAspect="1" noMove="1" noResize="1" noEditPoints="1" noAdjustHandles="1" noChangeArrowheads="1" noChangeShapeType="1" noTextEdit="1"/>
-          </p:cNvSpPr>
-          <p:nvPr>
-            <p:extLst>
-              <p:ext uri="{386F3935-93C4-4BCD-93E2-E3B085C9AB24}">
-                <p16:designElem xmlns:p16="http://schemas.microsoft.com/office/powerpoint/2015/main" val="1"/>
-              </p:ext>
-            </p:extLst>
-          </p:nvPr>
-        </p:nvSpPr>
+      <p:pic>
+        <p:nvPicPr>
+          <p:cNvPr id="5" name="Picture 4"/>
+          <p:cNvPicPr>
+            <a:picLocks noChangeAspect="1"/>
+          </p:cNvPicPr>
+          <p:nvPr/>
+        </p:nvPicPr>
+        <p:blipFill>
+          <a:blip r:embed="rId3"/>
+          <a:stretch>
+            <a:fillRect/>
+          </a:stretch>
+        </p:blipFill>
         <p:spPr>
           <a:xfrm>
-            <a:off x="0" y="0"/>
-            <a:ext cx="283464" cy="6858000"/>
+            <a:off x="954519" y="3773330"/>
+            <a:ext cx="4625187" cy="3084669"/>
           </a:xfrm>
           <a:prstGeom prst="rect">
             <a:avLst/>
           </a:prstGeom>
-          <a:solidFill>
-            <a:schemeClr val="accent1"/>
-          </a:solidFill>
-          <a:ln>
-            <a:noFill/>
-          </a:ln>
         </p:spPr>
-        <p:style>
-          <a:lnRef idx="2">
-            <a:schemeClr val="accent1">
-              <a:shade val="50000"/>
-            </a:schemeClr>
-          </a:lnRef>
-          <a:fillRef idx="1">
-            <a:schemeClr val="accent1"/>
-          </a:fillRef>
-          <a:effectRef idx="0">
-            <a:schemeClr val="accent1"/>
-          </a:effectRef>
-          <a:fontRef idx="minor">
-            <a:schemeClr val="lt1"/>
-          </a:fontRef>
-        </p:style>
-      </p:sp>
-      <p:sp>
-        <p:nvSpPr>
-          <p:cNvPr id="2" name="Title 1"/>
-          <p:cNvSpPr>
-            <a:spLocks noGrp="1"/>
-          </p:cNvSpPr>
-          <p:nvPr>
-            <p:ph type="title"/>
-          </p:nvPr>
-        </p:nvSpPr>
+      </p:pic>
+      <p:pic>
+        <p:nvPicPr>
+          <p:cNvPr id="8" name="Picture 7"/>
+          <p:cNvPicPr>
+            <a:picLocks noChangeAspect="1"/>
+          </p:cNvPicPr>
+          <p:nvPr/>
+        </p:nvPicPr>
+        <p:blipFill>
+          <a:blip r:embed="rId4"/>
+          <a:stretch>
+            <a:fillRect/>
+          </a:stretch>
+        </p:blipFill>
         <p:spPr>
           <a:xfrm>
-            <a:off x="605197" y="382385"/>
-            <a:ext cx="3111669" cy="899780"/>
+            <a:off x="6560381" y="438614"/>
+            <a:ext cx="4029199" cy="2681814"/>
           </a:xfrm>
+          <a:prstGeom prst="rect">
+            <a:avLst/>
+          </a:prstGeom>
         </p:spPr>
-        <p:txBody>
-          <a:bodyPr anchor="b">
-            <a:normAutofit/>
-          </a:bodyPr>
-          <a:lstStyle/>
-          <a:p>
-            <a:endParaRPr lang="en-US" sz="2000"/>
-          </a:p>
-        </p:txBody>
-      </p:sp>
-      <p:sp>
-        <p:nvSpPr>
-          <p:cNvPr id="28" name="Content Placeholder 7"/>
-          <p:cNvSpPr>
-            <a:spLocks noGrp="1"/>
-          </p:cNvSpPr>
-          <p:nvPr>
-            <p:ph idx="1"/>
-          </p:nvPr>
-        </p:nvSpPr>
+      </p:pic>
+      <p:pic>
+        <p:nvPicPr>
+          <p:cNvPr id="14" name="Picture 13"/>
+          <p:cNvPicPr>
+            <a:picLocks noChangeAspect="1"/>
+          </p:cNvPicPr>
+          <p:nvPr/>
+        </p:nvPicPr>
+        <p:blipFill>
+          <a:blip r:embed="rId5"/>
+          <a:stretch>
+            <a:fillRect/>
+          </a:stretch>
+        </p:blipFill>
         <p:spPr>
           <a:xfrm>
-            <a:off x="605197" y="1613434"/>
-            <a:ext cx="3111668" cy="4594953"/>
+            <a:off x="6560381" y="3515166"/>
+            <a:ext cx="4612460" cy="3071681"/>
           </a:xfrm>
+          <a:prstGeom prst="rect">
+            <a:avLst/>
+          </a:prstGeom>
         </p:spPr>
-        <p:txBody>
-          <a:bodyPr>
-            <a:normAutofit/>
-          </a:bodyPr>
-          <a:lstStyle/>
-          <a:p>
-            <a:endParaRPr lang="en-US" sz="1600"/>
-          </a:p>
-        </p:txBody>
-      </p:sp>
+      </p:pic>
     </p:spTree>
     <p:extLst>
       <p:ext uri="{BB962C8B-B14F-4D97-AF65-F5344CB8AC3E}">
-        <p14:creationId xmlns:p14="http://schemas.microsoft.com/office/powerpoint/2010/main" val="289704439"/>
+        <p14:creationId xmlns:p14="http://schemas.microsoft.com/office/powerpoint/2010/main" val="893799103"/>
       </p:ext>
     </p:extLst>
   </p:cSld>
@@ -12326,7 +11842,7 @@
       </p:grpSpPr>
       <p:pic>
         <p:nvPicPr>
-          <p:cNvPr id="49" name="Content Placeholder 21"/>
+          <p:cNvPr id="3" name="Picture 2"/>
           <p:cNvPicPr>
             <a:picLocks noChangeAspect="1"/>
           </p:cNvPicPr>
@@ -12340,8 +11856,8 @@
         </p:blipFill>
         <p:spPr>
           <a:xfrm>
-            <a:off x="1251678" y="2350182"/>
-            <a:ext cx="4190998" cy="951330"/>
+            <a:off x="1685704" y="410546"/>
+            <a:ext cx="4973875" cy="3307041"/>
           </a:xfrm>
           <a:prstGeom prst="rect">
             <a:avLst/>
@@ -12350,7 +11866,7 @@
       </p:pic>
       <p:pic>
         <p:nvPicPr>
-          <p:cNvPr id="46" name="Content Placeholder 5"/>
+          <p:cNvPr id="10" name="Picture 9"/>
           <p:cNvPicPr>
             <a:picLocks noChangeAspect="1"/>
           </p:cNvPicPr>
@@ -12364,44 +11880,66 @@
         </p:blipFill>
         <p:spPr>
           <a:xfrm>
-            <a:off x="1251678" y="3237331"/>
-            <a:ext cx="6588046" cy="1416429"/>
+            <a:off x="1643619" y="3797559"/>
+            <a:ext cx="3899246" cy="2598107"/>
           </a:xfrm>
           <a:prstGeom prst="rect">
             <a:avLst/>
           </a:prstGeom>
         </p:spPr>
       </p:pic>
-      <p:sp>
-        <p:nvSpPr>
-          <p:cNvPr id="2" name="Title 1"/>
-          <p:cNvSpPr>
-            <a:spLocks noGrp="1"/>
-          </p:cNvSpPr>
-          <p:nvPr>
-            <p:ph type="title"/>
-          </p:nvPr>
-        </p:nvSpPr>
+      <p:pic>
+        <p:nvPicPr>
+          <p:cNvPr id="11" name="Picture 10"/>
+          <p:cNvPicPr>
+            <a:picLocks noChangeAspect="1"/>
+          </p:cNvPicPr>
+          <p:nvPr/>
+        </p:nvPicPr>
+        <p:blipFill>
+          <a:blip r:embed="rId4"/>
+          <a:stretch>
+            <a:fillRect/>
+          </a:stretch>
+        </p:blipFill>
         <p:spPr>
           <a:xfrm>
-            <a:off x="1251678" y="382385"/>
-            <a:ext cx="10178322" cy="1492132"/>
+            <a:off x="6659579" y="410546"/>
+            <a:ext cx="4752665" cy="3171843"/>
           </a:xfrm>
+          <a:prstGeom prst="rect">
+            <a:avLst/>
+          </a:prstGeom>
         </p:spPr>
-        <p:txBody>
-          <a:bodyPr>
-            <a:normAutofit/>
-          </a:bodyPr>
-          <a:lstStyle/>
-          <a:p>
-            <a:endParaRPr lang="en-US"/>
-          </a:p>
-        </p:txBody>
-      </p:sp>
+      </p:pic>
+      <p:pic>
+        <p:nvPicPr>
+          <p:cNvPr id="12" name="Picture 11"/>
+          <p:cNvPicPr>
+            <a:picLocks noChangeAspect="1"/>
+          </p:cNvPicPr>
+          <p:nvPr/>
+        </p:nvPicPr>
+        <p:blipFill>
+          <a:blip r:embed="rId5"/>
+          <a:stretch>
+            <a:fillRect/>
+          </a:stretch>
+        </p:blipFill>
+        <p:spPr>
+          <a:xfrm>
+            <a:off x="6876687" y="3661757"/>
+            <a:ext cx="4318449" cy="2869709"/>
+          </a:xfrm>
+          <a:prstGeom prst="rect">
+            <a:avLst/>
+          </a:prstGeom>
+        </p:spPr>
+      </p:pic>
     </p:spTree>
     <p:extLst>
       <p:ext uri="{BB962C8B-B14F-4D97-AF65-F5344CB8AC3E}">
-        <p14:creationId xmlns:p14="http://schemas.microsoft.com/office/powerpoint/2010/main" val="1851926493"/>
+        <p14:creationId xmlns:p14="http://schemas.microsoft.com/office/powerpoint/2010/main" val="295758099"/>
       </p:ext>
     </p:extLst>
   </p:cSld>
